--- a/ppt/lecture_7.pptx
+++ b/ppt/lecture_7.pptx
@@ -45,21 +45,22 @@
     <p:sldId id="293" r:id="rId39"/>
     <p:sldId id="292" r:id="rId40"/>
     <p:sldId id="299" r:id="rId41"/>
-    <p:sldId id="297" r:id="rId42"/>
-    <p:sldId id="300" r:id="rId43"/>
-    <p:sldId id="301" r:id="rId44"/>
-    <p:sldId id="310" r:id="rId45"/>
-    <p:sldId id="309" r:id="rId46"/>
-    <p:sldId id="307" r:id="rId47"/>
-    <p:sldId id="308" r:id="rId48"/>
-    <p:sldId id="311" r:id="rId49"/>
-    <p:sldId id="312" r:id="rId50"/>
-    <p:sldId id="315" r:id="rId51"/>
-    <p:sldId id="313" r:id="rId52"/>
-    <p:sldId id="314" r:id="rId53"/>
-    <p:sldId id="302" r:id="rId54"/>
-    <p:sldId id="303" r:id="rId55"/>
-    <p:sldId id="304" r:id="rId56"/>
+    <p:sldId id="316" r:id="rId42"/>
+    <p:sldId id="297" r:id="rId43"/>
+    <p:sldId id="300" r:id="rId44"/>
+    <p:sldId id="301" r:id="rId45"/>
+    <p:sldId id="310" r:id="rId46"/>
+    <p:sldId id="309" r:id="rId47"/>
+    <p:sldId id="307" r:id="rId48"/>
+    <p:sldId id="308" r:id="rId49"/>
+    <p:sldId id="311" r:id="rId50"/>
+    <p:sldId id="312" r:id="rId51"/>
+    <p:sldId id="315" r:id="rId52"/>
+    <p:sldId id="313" r:id="rId53"/>
+    <p:sldId id="314" r:id="rId54"/>
+    <p:sldId id="302" r:id="rId55"/>
+    <p:sldId id="303" r:id="rId56"/>
+    <p:sldId id="304" r:id="rId57"/>
   </p:sldIdLst>
   <p:sldSz cx="9144000" cy="6858000" type="screen4x3"/>
   <p:notesSz cx="6858000" cy="9144000"/>
@@ -160,7 +161,7 @@
   </p:defaultTextStyle>
   <p:extLst>
     <p:ext uri="{EFAFB233-063F-42B5-8137-9DF3F51BA10A}">
-      <p15:sldGuideLst xmlns="" xmlns:p15="http://schemas.microsoft.com/office/powerpoint/2012/main">
+      <p15:sldGuideLst xmlns:p15="http://schemas.microsoft.com/office/powerpoint/2012/main">
         <p15:guide id="1" orient="horz" pos="2160">
           <p15:clr>
             <a:srgbClr val="A4A3A4"/>
@@ -357,7 +358,7 @@
             <a:fld id="{BE51CA39-0188-4816-A2DA-971D0143A733}" type="datetimeFigureOut">
               <a:rPr lang="ko-KR" altLang="en-US" smtClean="0"/>
               <a:pPr/>
-              <a:t>2016-12-28</a:t>
+              <a:t>2017. 1. 5.</a:t>
             </a:fld>
             <a:endParaRPr lang="ko-KR" altLang="en-US"/>
           </a:p>
@@ -629,7 +630,7 @@
             <a:fld id="{BE51CA39-0188-4816-A2DA-971D0143A733}" type="datetimeFigureOut">
               <a:rPr lang="ko-KR" altLang="en-US" smtClean="0"/>
               <a:pPr/>
-              <a:t>2016-12-28</a:t>
+              <a:t>2017. 1. 5.</a:t>
             </a:fld>
             <a:endParaRPr lang="ko-KR" altLang="en-US"/>
           </a:p>
@@ -878,7 +879,7 @@
             <a:fld id="{BE51CA39-0188-4816-A2DA-971D0143A733}" type="datetimeFigureOut">
               <a:rPr lang="ko-KR" altLang="en-US" smtClean="0"/>
               <a:pPr/>
-              <a:t>2016-12-28</a:t>
+              <a:t>2017. 1. 5.</a:t>
             </a:fld>
             <a:endParaRPr lang="ko-KR" altLang="en-US"/>
           </a:p>
@@ -1043,7 +1044,7 @@
             <a:fld id="{BE51CA39-0188-4816-A2DA-971D0143A733}" type="datetimeFigureOut">
               <a:rPr lang="ko-KR" altLang="en-US" smtClean="0"/>
               <a:pPr/>
-              <a:t>2016-12-28</a:t>
+              <a:t>2017. 1. 5.</a:t>
             </a:fld>
             <a:endParaRPr lang="ko-KR" altLang="en-US"/>
           </a:p>
@@ -1218,7 +1219,7 @@
             <a:fld id="{BE51CA39-0188-4816-A2DA-971D0143A733}" type="datetimeFigureOut">
               <a:rPr lang="ko-KR" altLang="en-US" smtClean="0"/>
               <a:pPr/>
-              <a:t>2016-12-28</a:t>
+              <a:t>2017. 1. 5.</a:t>
             </a:fld>
             <a:endParaRPr lang="ko-KR" altLang="en-US"/>
           </a:p>
@@ -1383,7 +1384,7 @@
             <a:fld id="{BE51CA39-0188-4816-A2DA-971D0143A733}" type="datetimeFigureOut">
               <a:rPr lang="ko-KR" altLang="en-US" smtClean="0"/>
               <a:pPr/>
-              <a:t>2016-12-28</a:t>
+              <a:t>2017. 1. 5.</a:t>
             </a:fld>
             <a:endParaRPr lang="ko-KR" altLang="en-US"/>
           </a:p>
@@ -1476,7 +1477,7 @@
             </a:duotone>
             <a:extLst>
               <a:ext uri="{28A0092B-C50C-407E-A947-70E740481C1C}">
-                <a14:useLocalDpi xmlns="" xmlns:a14="http://schemas.microsoft.com/office/drawing/2010/main" val="0"/>
+                <a14:useLocalDpi xmlns:a14="http://schemas.microsoft.com/office/drawing/2010/main" val="0"/>
               </a:ext>
             </a:extLst>
           </a:blip>
@@ -1496,7 +1497,7 @@
           <a:noFill/>
           <a:extLst>
             <a:ext uri="{909E8E84-426E-40DD-AFC4-6F175D3DCCD1}">
-              <a14:hiddenFill xmlns="" xmlns:a14="http://schemas.microsoft.com/office/drawing/2010/main">
+              <a14:hiddenFill xmlns:a14="http://schemas.microsoft.com/office/drawing/2010/main">
                 <a:solidFill>
                   <a:srgbClr val="FFFFFF"/>
                 </a:solidFill>
@@ -1532,7 +1533,7 @@
             <a:fld id="{BE51CA39-0188-4816-A2DA-971D0143A733}" type="datetimeFigureOut">
               <a:rPr lang="ko-KR" altLang="en-US" smtClean="0"/>
               <a:pPr/>
-              <a:t>2016-12-28</a:t>
+              <a:t>2017. 1. 5.</a:t>
             </a:fld>
             <a:endParaRPr lang="ko-KR" altLang="en-US"/>
           </a:p>
@@ -1681,7 +1682,7 @@
           <a:blip r:embed="rId3" cstate="print">
             <a:extLst>
               <a:ext uri="{28A0092B-C50C-407E-A947-70E740481C1C}">
-                <a14:useLocalDpi xmlns="" xmlns:a14="http://schemas.microsoft.com/office/drawing/2010/main" val="0"/>
+                <a14:useLocalDpi xmlns:a14="http://schemas.microsoft.com/office/drawing/2010/main" val="0"/>
               </a:ext>
             </a:extLst>
           </a:blip>
@@ -1820,7 +1821,7 @@
             <a:fld id="{BE51CA39-0188-4816-A2DA-971D0143A733}" type="datetimeFigureOut">
               <a:rPr lang="ko-KR" altLang="en-US" smtClean="0"/>
               <a:pPr/>
-              <a:t>2016-12-28</a:t>
+              <a:t>2017. 1. 5.</a:t>
             </a:fld>
             <a:endParaRPr lang="ko-KR" altLang="en-US"/>
           </a:p>
@@ -1872,7 +1873,7 @@
     </p:spTree>
     <p:extLst>
       <p:ext uri="{BB962C8B-B14F-4D97-AF65-F5344CB8AC3E}">
-        <p14:creationId xmlns="" xmlns:p14="http://schemas.microsoft.com/office/powerpoint/2010/main" val="35203605"/>
+        <p14:creationId xmlns:p14="http://schemas.microsoft.com/office/powerpoint/2010/main" val="35203605"/>
       </p:ext>
     </p:extLst>
   </p:cSld>
@@ -1967,7 +1968,7 @@
     </p:spTree>
     <p:extLst>
       <p:ext uri="{BB962C8B-B14F-4D97-AF65-F5344CB8AC3E}">
-        <p14:creationId xmlns="" xmlns:p14="http://schemas.microsoft.com/office/powerpoint/2010/main" val="2226067927"/>
+        <p14:creationId xmlns:p14="http://schemas.microsoft.com/office/powerpoint/2010/main" val="2226067927"/>
       </p:ext>
     </p:extLst>
   </p:cSld>
@@ -2202,7 +2203,7 @@
             <a:fld id="{BE51CA39-0188-4816-A2DA-971D0143A733}" type="datetimeFigureOut">
               <a:rPr lang="ko-KR" altLang="en-US" smtClean="0"/>
               <a:pPr/>
-              <a:t>2016-12-28</a:t>
+              <a:t>2017. 1. 5.</a:t>
             </a:fld>
             <a:endParaRPr lang="ko-KR" altLang="en-US"/>
           </a:p>
@@ -2618,7 +2619,7 @@
             <a:fld id="{BE51CA39-0188-4816-A2DA-971D0143A733}" type="datetimeFigureOut">
               <a:rPr lang="ko-KR" altLang="en-US" smtClean="0"/>
               <a:pPr/>
-              <a:t>2016-12-28</a:t>
+              <a:t>2017. 1. 5.</a:t>
             </a:fld>
             <a:endParaRPr lang="ko-KR" altLang="en-US"/>
           </a:p>
@@ -2732,7 +2733,7 @@
             <a:fld id="{BE51CA39-0188-4816-A2DA-971D0143A733}" type="datetimeFigureOut">
               <a:rPr lang="ko-KR" altLang="en-US" smtClean="0"/>
               <a:pPr/>
-              <a:t>2016-12-28</a:t>
+              <a:t>2017. 1. 5.</a:t>
             </a:fld>
             <a:endParaRPr lang="ko-KR" altLang="en-US"/>
           </a:p>
@@ -2824,7 +2825,7 @@
             <a:fld id="{BE51CA39-0188-4816-A2DA-971D0143A733}" type="datetimeFigureOut">
               <a:rPr lang="ko-KR" altLang="en-US" smtClean="0"/>
               <a:pPr/>
-              <a:t>2016-12-28</a:t>
+              <a:t>2017. 1. 5.</a:t>
             </a:fld>
             <a:endParaRPr lang="ko-KR" altLang="en-US"/>
           </a:p>
@@ -3032,7 +3033,7 @@
             <a:fld id="{BE51CA39-0188-4816-A2DA-971D0143A733}" type="datetimeFigureOut">
               <a:rPr lang="ko-KR" altLang="en-US" smtClean="0"/>
               <a:pPr/>
-              <a:t>2016-12-28</a:t>
+              <a:t>2017. 1. 5.</a:t>
             </a:fld>
             <a:endParaRPr lang="ko-KR" altLang="en-US"/>
           </a:p>
@@ -3450,7 +3451,7 @@
           <a:blip r:embed="rId2" cstate="print">
             <a:extLst>
               <a:ext uri="{28A0092B-C50C-407E-A947-70E740481C1C}">
-                <a14:useLocalDpi xmlns="" xmlns:a14="http://schemas.microsoft.com/office/drawing/2010/main" val="0"/>
+                <a14:useLocalDpi xmlns:a14="http://schemas.microsoft.com/office/drawing/2010/main" val="0"/>
               </a:ext>
             </a:extLst>
           </a:blip>
@@ -3470,7 +3471,7 @@
           <a:noFill/>
           <a:extLst>
             <a:ext uri="{909E8E84-426E-40DD-AFC4-6F175D3DCCD1}">
-              <a14:hiddenFill xmlns="" xmlns:a14="http://schemas.microsoft.com/office/drawing/2010/main">
+              <a14:hiddenFill xmlns:a14="http://schemas.microsoft.com/office/drawing/2010/main">
                 <a:solidFill>
                   <a:srgbClr val="FFFFFF"/>
                 </a:solidFill>
@@ -6746,15 +6747,7 @@
                   <a:schemeClr val="accent1"/>
                 </a:solidFill>
               </a:rPr>
-              <a:t>/</a:t>
-            </a:r>
-            <a:r>
-              <a:rPr lang="en-US" altLang="ko-KR" sz="2000" dirty="0" smtClean="0">
-                <a:solidFill>
-                  <a:schemeClr val="accent1"/>
-                </a:solidFill>
-              </a:rPr>
-              <a:t>models/UserModel.js</a:t>
+              <a:t>/models/UserModel.js</a:t>
             </a:r>
           </a:p>
           <a:p>
@@ -7127,11 +7120,7 @@
           <a:p>
             <a:r>
               <a:rPr lang="en-US" altLang="ko-KR" sz="2400" dirty="0" smtClean="0"/>
-              <a:t>GET /</a:t>
-            </a:r>
-            <a:r>
-              <a:rPr lang="en-US" altLang="ko-KR" sz="2400" dirty="0" smtClean="0"/>
-              <a:t>accounts/login </a:t>
+              <a:t>GET /accounts/login </a:t>
             </a:r>
             <a:r>
               <a:rPr lang="ko-KR" altLang="en-US" sz="2400" dirty="0" err="1" smtClean="0"/>
@@ -7349,14 +7338,12 @@
               <a:rPr lang="en-US" altLang="ko-KR" dirty="0" smtClean="0"/>
               <a:t> )</a:t>
             </a:r>
-            <a:endParaRPr lang="en-US" altLang="ko-KR" dirty="0" smtClean="0"/>
           </a:p>
           <a:p>
             <a:r>
               <a:rPr lang="en-US" altLang="ko-KR" dirty="0" smtClean="0"/>
               <a:t>views/accounts/login.ejs</a:t>
             </a:r>
-            <a:endParaRPr lang="en-US" altLang="ko-KR" dirty="0" smtClean="0"/>
           </a:p>
           <a:p>
             <a:endParaRPr lang="en-US" altLang="ko-KR" dirty="0" smtClean="0"/>
@@ -8176,11 +8163,7 @@
           <a:p>
             <a:r>
               <a:rPr lang="en-US" altLang="ko-KR" dirty="0" smtClean="0"/>
-              <a:t>PfdjA8bjgBvKBGfXTbPhU8NyToCecp/qbKBid6Y0voUguOssZpAoeJY475kPyBto6SoOWohJjHW0pZwz4n9M7A</a:t>
-            </a:r>
-            <a:r>
-              <a:rPr lang="en-US" altLang="ko-KR" dirty="0" smtClean="0"/>
-              <a:t>==</a:t>
+              <a:t>PfdjA8bjgBvKBGfXTbPhU8NyToCecp/qbKBid6Y0voUguOssZpAoeJY475kPyBto6SoOWohJjHW0pZwz4n9M7A==</a:t>
             </a:r>
           </a:p>
           <a:p>
@@ -8550,11 +8533,7 @@
           <a:bodyPr/>
           <a:lstStyle/>
           <a:p>
-            <a:r>
-              <a:rPr lang="ko-KR" altLang="en-US" dirty="0" smtClean="0"/>
-              <a:t>로그인</a:t>
-            </a:r>
-            <a:endParaRPr lang="ko-KR" altLang="en-US" dirty="0"/>
+            <a:endParaRPr kumimoji="1" lang="ko-KR" altLang="en-US"/>
           </a:p>
         </p:txBody>
       </p:sp>
@@ -8570,65 +8549,103 @@
         </p:nvSpPr>
         <p:spPr/>
         <p:txBody>
-          <a:bodyPr/>
-          <a:lstStyle/>
-          <a:p>
-            <a:r>
-              <a:rPr lang="en-US" altLang="ko-KR" dirty="0" smtClean="0"/>
-              <a:t>passport</a:t>
-            </a:r>
-            <a:r>
-              <a:rPr lang="ko-KR" altLang="en-US" dirty="0" smtClean="0"/>
-              <a:t>란</a:t>
-            </a:r>
-            <a:r>
-              <a:rPr lang="en-US" altLang="ko-KR" dirty="0" smtClean="0"/>
-              <a:t>?</a:t>
-            </a:r>
-          </a:p>
-          <a:p>
+          <a:bodyPr>
+            <a:normAutofit/>
+          </a:bodyPr>
+          <a:lstStyle/>
+          <a:p>
+            <a:pPr marL="0" marR="0" lvl="0" indent="0" defTabSz="914400" eaLnBrk="1" fontAlgn="auto" latinLnBrk="0" hangingPunct="1">
+              <a:lnSpc>
+                <a:spcPct val="100000"/>
+              </a:lnSpc>
+              <a:spcBef>
+                <a:spcPts val="0"/>
+              </a:spcBef>
+              <a:spcAft>
+                <a:spcPts val="0"/>
+              </a:spcAft>
+              <a:buClrTx/>
+              <a:buSzTx/>
+              <a:buFontTx/>
+              <a:buNone/>
+              <a:tabLst/>
+              <a:defRPr/>
+            </a:pPr>
+            <a:r>
+              <a:rPr kumimoji="1" lang="ko-KR" altLang="en-US" dirty="0" smtClean="0"/>
+              <a:t>모듈설치</a:t>
+            </a:r>
+            <a:endParaRPr kumimoji="1" lang="en-US" altLang="ko-KR" dirty="0" smtClean="0"/>
+          </a:p>
+          <a:p>
+            <a:pPr fontAlgn="base"/>
             <a:r>
               <a:rPr lang="en-US" altLang="ko-KR" dirty="0" err="1" smtClean="0"/>
-              <a:t>Nodejs</a:t>
-            </a:r>
-            <a:r>
-              <a:rPr lang="ko-KR" altLang="en-US" dirty="0" smtClean="0"/>
-              <a:t>용 범용 인증 모듈</a:t>
-            </a:r>
-            <a:endParaRPr lang="en-US" altLang="ko-KR" dirty="0" smtClean="0"/>
-          </a:p>
-          <a:p>
-            <a:r>
-              <a:rPr lang="en-US" altLang="ko-KR" dirty="0" err="1" smtClean="0"/>
-              <a:t>facebook</a:t>
-            </a:r>
-            <a:r>
-              <a:rPr lang="en-US" altLang="ko-KR" dirty="0" smtClean="0"/>
-              <a:t>, </a:t>
-            </a:r>
-            <a:r>
-              <a:rPr lang="en-US" altLang="ko-KR" dirty="0" err="1" smtClean="0"/>
-              <a:t>kakao</a:t>
+              <a:t>npm</a:t>
             </a:r>
             <a:r>
               <a:rPr lang="en-US" altLang="ko-KR" dirty="0" smtClean="0"/>
               <a:t> </a:t>
             </a:r>
             <a:r>
+              <a:rPr lang="en-US" altLang="ko-KR" dirty="0"/>
+              <a:t>install –save express-session</a:t>
+            </a:r>
+          </a:p>
+          <a:p>
+            <a:pPr fontAlgn="base"/>
+            <a:r>
+              <a:rPr lang="en-US" altLang="ko-KR" dirty="0" err="1"/>
+              <a:t>npm</a:t>
+            </a:r>
+            <a:r>
+              <a:rPr lang="en-US" altLang="ko-KR" dirty="0"/>
+              <a:t> install –save passport</a:t>
+            </a:r>
+          </a:p>
+          <a:p>
+            <a:pPr fontAlgn="base"/>
+            <a:r>
+              <a:rPr lang="en-US" altLang="ko-KR" dirty="0" err="1"/>
+              <a:t>npm</a:t>
+            </a:r>
+            <a:r>
+              <a:rPr lang="en-US" altLang="ko-KR" dirty="0"/>
+              <a:t> install –save passport-local</a:t>
+            </a:r>
+          </a:p>
+          <a:p>
+            <a:pPr fontAlgn="base"/>
+            <a:r>
+              <a:rPr lang="en-US" altLang="ko-KR" dirty="0" err="1"/>
+              <a:t>npm</a:t>
+            </a:r>
+            <a:r>
+              <a:rPr lang="en-US" altLang="ko-KR" dirty="0"/>
+              <a:t> install –save </a:t>
+            </a:r>
+            <a:r>
+              <a:rPr lang="en-US" altLang="ko-KR" dirty="0" smtClean="0"/>
+              <a:t>connect-flash(</a:t>
+            </a:r>
+            <a:r>
               <a:rPr lang="ko-KR" altLang="en-US" dirty="0" smtClean="0"/>
-              <a:t>등등 사용</a:t>
-            </a:r>
-            <a:endParaRPr lang="en-US" altLang="ko-KR" dirty="0" smtClean="0"/>
-          </a:p>
-          <a:p>
-            <a:endParaRPr lang="en-US" altLang="ko-KR" dirty="0" smtClean="0"/>
-          </a:p>
-          <a:p>
-            <a:endParaRPr lang="ko-KR" altLang="en-US" dirty="0"/>
+              <a:t>잠깐 나타났다 사라지는 메세지</a:t>
+            </a:r>
+            <a:r>
+              <a:rPr lang="en-US" altLang="ko-KR" dirty="0" smtClean="0"/>
+              <a:t>)</a:t>
+            </a:r>
+            <a:endParaRPr lang="en-US" altLang="ko-KR" dirty="0"/>
           </a:p>
         </p:txBody>
       </p:sp>
     </p:spTree>
+    <p:extLst>
+      <p:ext uri="{BB962C8B-B14F-4D97-AF65-F5344CB8AC3E}">
+        <p14:creationId xmlns:p14="http://schemas.microsoft.com/office/powerpoint/2010/main" val="437974794"/>
+      </p:ext>
+    </p:extLst>
   </p:cSld>
   <p:clrMapOvr>
     <a:masterClrMapping/>
@@ -8693,39 +8710,56 @@
           <a:p>
             <a:r>
               <a:rPr lang="en-US" altLang="ko-KR" dirty="0" smtClean="0"/>
-              <a:t>app.js </a:t>
+              <a:t>passport</a:t>
             </a:r>
             <a:r>
               <a:rPr lang="ko-KR" altLang="en-US" dirty="0" smtClean="0"/>
-              <a:t>설정</a:t>
+              <a:t>란</a:t>
+            </a:r>
+            <a:r>
+              <a:rPr lang="en-US" altLang="ko-KR" dirty="0" smtClean="0"/>
+              <a:t>?</a:t>
+            </a:r>
+          </a:p>
+          <a:p>
+            <a:r>
+              <a:rPr lang="en-US" altLang="ko-KR" dirty="0" err="1" smtClean="0"/>
+              <a:t>Nodejs</a:t>
+            </a:r>
+            <a:r>
+              <a:rPr lang="ko-KR" altLang="en-US" dirty="0" smtClean="0"/>
+              <a:t>용 범용 인증 모듈</a:t>
             </a:r>
             <a:endParaRPr lang="en-US" altLang="ko-KR" dirty="0" smtClean="0"/>
           </a:p>
           <a:p>
-            <a:pPr>
-              <a:buNone/>
-            </a:pPr>
-            <a:endParaRPr lang="en-US" altLang="ko-KR" sz="2000" dirty="0" smtClean="0"/>
-          </a:p>
-          <a:p>
-            <a:r>
-              <a:rPr lang="ko-KR" altLang="en-US" sz="2000" dirty="0" smtClean="0"/>
-              <a:t>각 모듈 </a:t>
-            </a:r>
-            <a:r>
-              <a:rPr lang="ko-KR" altLang="en-US" sz="2000" dirty="0" err="1" smtClean="0"/>
-              <a:t>셋팅</a:t>
-            </a:r>
-            <a:endParaRPr lang="en-US" altLang="ko-KR" sz="2000" dirty="0" smtClean="0"/>
-          </a:p>
-          <a:p>
-            <a:r>
-              <a:rPr lang="en-US" altLang="ko-KR" sz="2000" dirty="0" smtClean="0">
-                <a:hlinkClick r:id="rId2"/>
-              </a:rPr>
-              <a:t>https://github.com/parkjunyoung/fc-nodejs-5/commit/85b2cadba5e4d4544b650edd0e040c3807440c31#diff-0</a:t>
-            </a:r>
-            <a:endParaRPr lang="en-US" altLang="ko-KR" sz="2000" dirty="0" smtClean="0"/>
+            <a:r>
+              <a:rPr lang="en-US" altLang="ko-KR" dirty="0" err="1" smtClean="0"/>
+              <a:t>facebook</a:t>
+            </a:r>
+            <a:r>
+              <a:rPr lang="en-US" altLang="ko-KR" dirty="0" smtClean="0"/>
+              <a:t>, </a:t>
+            </a:r>
+            <a:r>
+              <a:rPr lang="en-US" altLang="ko-KR" dirty="0" err="1" smtClean="0"/>
+              <a:t>kakao</a:t>
+            </a:r>
+            <a:r>
+              <a:rPr lang="en-US" altLang="ko-KR" dirty="0" smtClean="0"/>
+              <a:t> </a:t>
+            </a:r>
+            <a:r>
+              <a:rPr lang="ko-KR" altLang="en-US" dirty="0" smtClean="0"/>
+              <a:t>등등 사용</a:t>
+            </a:r>
+            <a:endParaRPr lang="en-US" altLang="ko-KR" dirty="0" smtClean="0"/>
+          </a:p>
+          <a:p>
+            <a:endParaRPr lang="en-US" altLang="ko-KR" dirty="0" smtClean="0"/>
+          </a:p>
+          <a:p>
+            <a:endParaRPr lang="ko-KR" altLang="en-US" dirty="0"/>
           </a:p>
         </p:txBody>
       </p:sp>
@@ -8789,295 +8823,44 @@
         </p:nvSpPr>
         <p:spPr/>
         <p:txBody>
-          <a:bodyPr>
-            <a:normAutofit fontScale="92500" lnSpcReduction="10000"/>
-          </a:bodyPr>
-          <a:lstStyle/>
-          <a:p>
+          <a:bodyPr/>
+          <a:lstStyle/>
+          <a:p>
+            <a:r>
+              <a:rPr lang="en-US" altLang="ko-KR" dirty="0" smtClean="0"/>
+              <a:t>app.js </a:t>
+            </a:r>
             <a:r>
               <a:rPr lang="ko-KR" altLang="en-US" dirty="0" smtClean="0"/>
-              <a:t>세션</a:t>
-            </a:r>
-            <a:r>
-              <a:rPr lang="en-US" altLang="ko-KR" dirty="0" smtClean="0"/>
-              <a:t>? </a:t>
-            </a:r>
-          </a:p>
-          <a:p>
-            <a:r>
-              <a:rPr lang="ko-KR" altLang="en-US" sz="2200" dirty="0" err="1" smtClean="0"/>
-              <a:t>서버측에</a:t>
-            </a:r>
-            <a:r>
-              <a:rPr lang="ko-KR" altLang="en-US" sz="2200" dirty="0" smtClean="0"/>
-              <a:t> 저장해서 인증 </a:t>
-            </a:r>
-            <a:r>
-              <a:rPr lang="ko-KR" altLang="en-US" sz="2200" dirty="0" err="1" smtClean="0"/>
-              <a:t>등에사용</a:t>
-            </a:r>
-            <a:endParaRPr lang="en-US" altLang="ko-KR" sz="2200" dirty="0" smtClean="0"/>
+              <a:t>설정</a:t>
+            </a:r>
+            <a:endParaRPr lang="en-US" altLang="ko-KR" dirty="0" smtClean="0"/>
           </a:p>
           <a:p>
             <a:pPr>
               <a:buNone/>
             </a:pPr>
-            <a:r>
-              <a:rPr lang="en-US" altLang="ko-KR" sz="2000" dirty="0" err="1" smtClean="0"/>
-              <a:t>app.use</a:t>
-            </a:r>
-            <a:r>
-              <a:rPr lang="en-US" altLang="ko-KR" sz="2000" dirty="0" smtClean="0"/>
-              <a:t>(session({</a:t>
-            </a:r>
-          </a:p>
-          <a:p>
-            <a:pPr>
-              <a:buNone/>
-            </a:pPr>
-            <a:r>
-              <a:rPr lang="en-US" altLang="ko-KR" sz="2000" dirty="0" smtClean="0"/>
-              <a:t>    secret: '</a:t>
-            </a:r>
-            <a:r>
-              <a:rPr lang="en-US" altLang="ko-KR" sz="2000" dirty="0" err="1" smtClean="0"/>
-              <a:t>fastcampus</a:t>
-            </a:r>
-            <a:r>
-              <a:rPr lang="en-US" altLang="ko-KR" sz="2000" dirty="0" smtClean="0"/>
-              <a:t>',   </a:t>
-            </a:r>
+            <a:endParaRPr lang="en-US" altLang="ko-KR" sz="2000" dirty="0" smtClean="0"/>
+          </a:p>
+          <a:p>
+            <a:r>
+              <a:rPr lang="ko-KR" altLang="en-US" sz="2000" dirty="0" smtClean="0"/>
+              <a:t>각 모듈 </a:t>
+            </a:r>
+            <a:r>
+              <a:rPr lang="ko-KR" altLang="en-US" sz="2000" dirty="0" err="1" smtClean="0"/>
+              <a:t>셋팅</a:t>
+            </a:r>
+            <a:endParaRPr lang="en-US" altLang="ko-KR" sz="2000" dirty="0" smtClean="0"/>
+          </a:p>
+          <a:p>
             <a:r>
               <a:rPr lang="en-US" altLang="ko-KR" sz="2000" dirty="0" smtClean="0">
-                <a:solidFill>
-                  <a:schemeClr val="accent1"/>
-                </a:solidFill>
+                <a:hlinkClick r:id="rId2"/>
               </a:rPr>
-              <a:t>//</a:t>
-            </a:r>
-            <a:r>
-              <a:rPr lang="ko-KR" altLang="en-US" sz="2000" dirty="0" smtClean="0">
-                <a:solidFill>
-                  <a:schemeClr val="accent1"/>
-                </a:solidFill>
-              </a:rPr>
-              <a:t>쿠키임의변조 방지</a:t>
-            </a:r>
-            <a:endParaRPr lang="en-US" altLang="ko-KR" sz="2000" dirty="0" smtClean="0">
-              <a:solidFill>
-                <a:schemeClr val="accent1"/>
-              </a:solidFill>
-            </a:endParaRPr>
-          </a:p>
-          <a:p>
-            <a:pPr>
-              <a:buNone/>
-            </a:pPr>
-            <a:r>
-              <a:rPr lang="en-US" altLang="ko-KR" sz="2000" dirty="0" smtClean="0"/>
-              <a:t>    resave: false</a:t>
-            </a:r>
-            <a:r>
-              <a:rPr lang="en-US" altLang="ko-KR" sz="2000" dirty="0" smtClean="0"/>
-              <a:t>,  </a:t>
-            </a:r>
-            <a:r>
-              <a:rPr lang="en-US" altLang="ko-KR" sz="2000" dirty="0" smtClean="0">
-                <a:solidFill>
-                  <a:schemeClr val="accent1"/>
-                </a:solidFill>
-              </a:rPr>
-              <a:t>//</a:t>
-            </a:r>
-            <a:r>
-              <a:rPr lang="ko-KR" altLang="en-US" sz="2000" dirty="0" smtClean="0">
-                <a:solidFill>
-                  <a:schemeClr val="accent1"/>
-                </a:solidFill>
-              </a:rPr>
-              <a:t>세션을 언제나 저장할지 지정</a:t>
-            </a:r>
-            <a:endParaRPr lang="en-US" altLang="ko-KR" sz="2000" dirty="0" smtClean="0">
-              <a:solidFill>
-                <a:schemeClr val="accent1"/>
-              </a:solidFill>
-            </a:endParaRPr>
-          </a:p>
-          <a:p>
-            <a:pPr>
-              <a:buNone/>
-            </a:pPr>
-            <a:r>
-              <a:rPr lang="en-US" altLang="ko-KR" sz="2000" dirty="0" smtClean="0"/>
-              <a:t>    </a:t>
-            </a:r>
-            <a:r>
-              <a:rPr lang="en-US" altLang="ko-KR" sz="2000" dirty="0" err="1" smtClean="0"/>
-              <a:t>saveUninitialized</a:t>
-            </a:r>
-            <a:r>
-              <a:rPr lang="en-US" altLang="ko-KR" sz="2000" dirty="0" smtClean="0"/>
-              <a:t>: true</a:t>
-            </a:r>
-            <a:r>
-              <a:rPr lang="en-US" altLang="ko-KR" sz="2000" dirty="0" smtClean="0"/>
-              <a:t>, </a:t>
-            </a:r>
-          </a:p>
-          <a:p>
-            <a:pPr>
-              <a:buNone/>
-            </a:pPr>
-            <a:r>
-              <a:rPr lang="en-US" altLang="ko-KR" sz="2000" dirty="0" smtClean="0"/>
-              <a:t> </a:t>
-            </a:r>
-            <a:r>
-              <a:rPr lang="en-US" altLang="ko-KR" sz="2000" dirty="0" smtClean="0"/>
-              <a:t>   </a:t>
-            </a:r>
-            <a:r>
-              <a:rPr lang="en-US" altLang="ko-KR" sz="2000" dirty="0" smtClean="0">
-                <a:solidFill>
-                  <a:schemeClr val="accent1"/>
-                </a:solidFill>
-              </a:rPr>
-              <a:t>//</a:t>
-            </a:r>
-            <a:r>
-              <a:rPr lang="ko-KR" altLang="en-US" sz="2000" dirty="0" smtClean="0">
-                <a:solidFill>
-                  <a:schemeClr val="accent1"/>
-                </a:solidFill>
-              </a:rPr>
-              <a:t>세션이 </a:t>
-            </a:r>
-            <a:r>
-              <a:rPr lang="ko-KR" altLang="en-US" sz="2000" dirty="0" err="1" smtClean="0">
-                <a:solidFill>
-                  <a:schemeClr val="accent1"/>
-                </a:solidFill>
-              </a:rPr>
-              <a:t>저장되기전</a:t>
-            </a:r>
-            <a:r>
-              <a:rPr lang="ko-KR" altLang="en-US" sz="2000" dirty="0" smtClean="0">
-                <a:solidFill>
-                  <a:schemeClr val="accent1"/>
-                </a:solidFill>
-              </a:rPr>
-              <a:t> </a:t>
-            </a:r>
-            <a:r>
-              <a:rPr lang="en-US" sz="2000" dirty="0" smtClean="0">
-                <a:solidFill>
-                  <a:schemeClr val="accent1"/>
-                </a:solidFill>
-              </a:rPr>
-              <a:t>uninitialized </a:t>
-            </a:r>
-            <a:r>
-              <a:rPr lang="ko-KR" altLang="en-US" sz="2000" dirty="0" smtClean="0">
-                <a:solidFill>
-                  <a:schemeClr val="accent1"/>
-                </a:solidFill>
-              </a:rPr>
-              <a:t>상태로 </a:t>
-            </a:r>
-            <a:r>
-              <a:rPr lang="ko-KR" altLang="en-US" sz="2000" dirty="0" err="1" smtClean="0">
-                <a:solidFill>
-                  <a:schemeClr val="accent1"/>
-                </a:solidFill>
-              </a:rPr>
-              <a:t>만듬</a:t>
-            </a:r>
-            <a:endParaRPr lang="en-US" altLang="ko-KR" sz="2000" dirty="0" smtClean="0">
-              <a:solidFill>
-                <a:schemeClr val="accent1"/>
-              </a:solidFill>
-            </a:endParaRPr>
-          </a:p>
-          <a:p>
-            <a:pPr>
-              <a:buNone/>
-            </a:pPr>
-            <a:r>
-              <a:rPr lang="en-US" altLang="ko-KR" sz="2000" dirty="0" smtClean="0"/>
-              <a:t>    cookie: {</a:t>
-            </a:r>
-          </a:p>
-          <a:p>
-            <a:pPr>
-              <a:buNone/>
-            </a:pPr>
-            <a:r>
-              <a:rPr lang="en-US" altLang="ko-KR" sz="2000" dirty="0" smtClean="0"/>
-              <a:t>      </a:t>
-            </a:r>
-            <a:r>
-              <a:rPr lang="en-US" altLang="ko-KR" sz="2000" dirty="0" err="1" smtClean="0"/>
-              <a:t>maxAge</a:t>
-            </a:r>
-            <a:r>
-              <a:rPr lang="en-US" altLang="ko-KR" sz="2000" dirty="0" smtClean="0"/>
-              <a:t>: 2000 * 60 * 60 </a:t>
-            </a:r>
-            <a:r>
-              <a:rPr lang="en-US" altLang="ko-KR" sz="2000" dirty="0" smtClean="0">
-                <a:solidFill>
-                  <a:schemeClr val="accent1"/>
-                </a:solidFill>
-              </a:rPr>
-              <a:t>//</a:t>
-            </a:r>
-            <a:r>
-              <a:rPr lang="ko-KR" altLang="en-US" sz="2000" dirty="0" smtClean="0">
-                <a:solidFill>
-                  <a:schemeClr val="accent1"/>
-                </a:solidFill>
-              </a:rPr>
-              <a:t>지속시간 </a:t>
-            </a:r>
-            <a:r>
-              <a:rPr lang="en-US" altLang="ko-KR" sz="2000" dirty="0" smtClean="0">
-                <a:solidFill>
-                  <a:schemeClr val="accent1"/>
-                </a:solidFill>
-              </a:rPr>
-              <a:t>2</a:t>
-            </a:r>
-            <a:r>
-              <a:rPr lang="ko-KR" altLang="en-US" sz="2000" dirty="0" smtClean="0">
-                <a:solidFill>
-                  <a:schemeClr val="accent1"/>
-                </a:solidFill>
-              </a:rPr>
-              <a:t>시간</a:t>
-            </a:r>
-          </a:p>
-          <a:p>
-            <a:pPr>
-              <a:buNone/>
-            </a:pPr>
-            <a:r>
-              <a:rPr lang="ko-KR" altLang="en-US" sz="2000" dirty="0" smtClean="0"/>
-              <a:t>    </a:t>
-            </a:r>
-            <a:r>
-              <a:rPr lang="en-US" altLang="ko-KR" sz="2000" dirty="0" smtClean="0"/>
-              <a:t>}</a:t>
-            </a:r>
-          </a:p>
-          <a:p>
-            <a:pPr>
-              <a:buNone/>
-            </a:pPr>
-            <a:r>
-              <a:rPr lang="en-US" altLang="ko-KR" sz="2000" dirty="0" smtClean="0"/>
-              <a:t>}));</a:t>
-            </a:r>
-            <a:endParaRPr lang="ko-KR" altLang="en-US" sz="2000" dirty="0"/>
+              <a:t>https://github.com/parkjunyoung/fc-nodejs-5/commit/85b2cadba5e4d4544b650edd0e040c3807440c31#diff-0</a:t>
+            </a:r>
+            <a:endParaRPr lang="en-US" altLang="ko-KR" sz="2000" dirty="0" smtClean="0"/>
           </a:p>
         </p:txBody>
       </p:sp>
@@ -9142,61 +8925,78 @@
         <p:spPr/>
         <p:txBody>
           <a:bodyPr>
-            <a:normAutofit fontScale="92500" lnSpcReduction="20000"/>
+            <a:normAutofit fontScale="92500" lnSpcReduction="10000"/>
           </a:bodyPr>
           <a:lstStyle/>
           <a:p>
             <a:r>
               <a:rPr lang="ko-KR" altLang="en-US" dirty="0" smtClean="0"/>
-              <a:t>로그인 </a:t>
-            </a:r>
-            <a:r>
-              <a:rPr lang="ko-KR" altLang="en-US" dirty="0" err="1" smtClean="0"/>
-              <a:t>구현시</a:t>
-            </a:r>
-            <a:r>
-              <a:rPr lang="ko-KR" altLang="en-US" dirty="0" smtClean="0"/>
-              <a:t> 사용할 모듈 다운로드</a:t>
-            </a:r>
-            <a:endParaRPr lang="en-US" altLang="ko-KR" dirty="0" smtClean="0"/>
-          </a:p>
-          <a:p>
-            <a:pPr fontAlgn="base"/>
-            <a:endParaRPr lang="en-US" sz="2000" dirty="0" smtClean="0"/>
-          </a:p>
-          <a:p>
-            <a:pPr fontAlgn="base">
-              <a:lnSpc>
-                <a:spcPct val="130000"/>
-              </a:lnSpc>
-            </a:pPr>
-            <a:r>
-              <a:rPr lang="en-US" sz="2000" dirty="0" err="1" smtClean="0"/>
-              <a:t>npm</a:t>
-            </a:r>
-            <a:r>
-              <a:rPr lang="en-US" sz="2000" dirty="0" smtClean="0"/>
-              <a:t> </a:t>
-            </a:r>
-            <a:r>
-              <a:rPr lang="en-US" sz="2000" dirty="0" smtClean="0"/>
-              <a:t>install –save </a:t>
-            </a:r>
-            <a:r>
-              <a:rPr lang="en-US" sz="2000" dirty="0" smtClean="0"/>
-              <a:t>express-session</a:t>
-            </a:r>
-          </a:p>
-          <a:p>
-            <a:pPr fontAlgn="base">
-              <a:lnSpc>
-                <a:spcPct val="130000"/>
-              </a:lnSpc>
+              <a:t>세션</a:t>
+            </a:r>
+            <a:r>
+              <a:rPr lang="en-US" altLang="ko-KR" dirty="0" smtClean="0"/>
+              <a:t>? </a:t>
+            </a:r>
+          </a:p>
+          <a:p>
+            <a:r>
+              <a:rPr lang="ko-KR" altLang="en-US" sz="2200" dirty="0" err="1" smtClean="0"/>
+              <a:t>서버측에</a:t>
+            </a:r>
+            <a:r>
+              <a:rPr lang="ko-KR" altLang="en-US" sz="2200" dirty="0" smtClean="0"/>
+              <a:t> 저장해서 인증 </a:t>
+            </a:r>
+            <a:r>
+              <a:rPr lang="ko-KR" altLang="en-US" sz="2200" dirty="0" err="1" smtClean="0"/>
+              <a:t>등에사용</a:t>
+            </a:r>
+            <a:endParaRPr lang="en-US" altLang="ko-KR" sz="2200" dirty="0" smtClean="0"/>
+          </a:p>
+          <a:p>
+            <a:pPr>
               <a:buNone/>
             </a:pPr>
             <a:r>
+              <a:rPr lang="en-US" altLang="ko-KR" sz="2000" dirty="0" err="1" smtClean="0"/>
+              <a:t>app.use</a:t>
+            </a:r>
+            <a:r>
               <a:rPr lang="en-US" altLang="ko-KR" sz="2000" dirty="0" smtClean="0"/>
-              <a:t>	</a:t>
+              <a:t>(session({</a:t>
+            </a:r>
+          </a:p>
+          <a:p>
+            <a:pPr>
+              <a:buNone/>
+            </a:pPr>
+            <a:r>
+              <a:rPr lang="en-US" altLang="ko-KR" sz="2000" dirty="0" smtClean="0"/>
+              <a:t>    secret: '</a:t>
+            </a:r>
+            <a:r>
+              <a:rPr lang="en-US" altLang="ko-KR" sz="2000" dirty="0" err="1" smtClean="0"/>
+              <a:t>fastcampus</a:t>
+            </a:r>
+            <a:r>
+              <a:rPr lang="en-US" altLang="ko-KR" sz="2000" dirty="0" smtClean="0"/>
+              <a:t>',   </a:t>
+            </a:r>
+            <a:r>
+              <a:rPr lang="en-US" altLang="ko-KR" sz="2000" dirty="0" smtClean="0">
+                <a:solidFill>
+                  <a:schemeClr val="accent1"/>
+                </a:solidFill>
+              </a:rPr>
+              <a:t>//</a:t>
+            </a:r>
+            <a:r>
+              <a:rPr lang="ko-KR" altLang="en-US" sz="2000" smtClean="0">
+                <a:solidFill>
+                  <a:schemeClr val="accent1"/>
+                </a:solidFill>
+              </a:rPr>
+              <a:t>쿠키 임의 변조 </a:t>
             </a:r>
             <a:r>
               <a:rPr lang="ko-KR" altLang="en-US" sz="2000" dirty="0" smtClean="0">
@@ -9204,51 +9004,29 @@
                   <a:schemeClr val="accent1"/>
                 </a:solidFill>
               </a:rPr>
-              <a:t>세션사용</a:t>
-            </a:r>
-            <a:endParaRPr lang="en-US" sz="2000" dirty="0" smtClean="0">
+              <a:t>방지</a:t>
+            </a:r>
+            <a:endParaRPr lang="en-US" altLang="ko-KR" sz="2000" dirty="0" smtClean="0">
               <a:solidFill>
                 <a:schemeClr val="accent1"/>
               </a:solidFill>
             </a:endParaRPr>
           </a:p>
           <a:p>
-            <a:pPr fontAlgn="base">
-              <a:lnSpc>
-                <a:spcPct val="130000"/>
-              </a:lnSpc>
-            </a:pPr>
-            <a:r>
-              <a:rPr lang="en-US" sz="2000" dirty="0" err="1" smtClean="0"/>
-              <a:t>npm</a:t>
-            </a:r>
-            <a:r>
-              <a:rPr lang="en-US" sz="2000" dirty="0" smtClean="0"/>
-              <a:t> install –save </a:t>
-            </a:r>
-            <a:r>
-              <a:rPr lang="en-US" sz="2000" dirty="0" smtClean="0"/>
-              <a:t>passport</a:t>
-            </a:r>
-          </a:p>
-          <a:p>
-            <a:pPr fontAlgn="base">
-              <a:lnSpc>
-                <a:spcPct val="130000"/>
-              </a:lnSpc>
+            <a:pPr>
               <a:buNone/>
             </a:pPr>
             <a:r>
-              <a:rPr lang="en-US" sz="2000" dirty="0" smtClean="0"/>
-              <a:t>	</a:t>
-            </a:r>
-            <a:r>
-              <a:rPr lang="en-US" sz="2000" dirty="0" smtClean="0">
+              <a:rPr lang="en-US" altLang="ko-KR" sz="2000" dirty="0" smtClean="0"/>
+              <a:t>    resave: false,  </a:t>
+            </a:r>
+            <a:r>
+              <a:rPr lang="en-US" altLang="ko-KR" sz="2000" dirty="0" smtClean="0">
                 <a:solidFill>
                   <a:schemeClr val="accent1"/>
                 </a:solidFill>
               </a:rPr>
-              <a:t>passport </a:t>
+              <a:t>//</a:t>
             </a:r>
             <a:r>
               <a:rPr lang="ko-KR" altLang="en-US" sz="2000" dirty="0" smtClean="0">
@@ -9256,7 +9034,46 @@
                   <a:schemeClr val="accent1"/>
                 </a:solidFill>
               </a:rPr>
-              <a:t>다운로</a:t>
+              <a:t>세션을 언제나 저장할지 지정</a:t>
+            </a:r>
+            <a:endParaRPr lang="en-US" altLang="ko-KR" sz="2000" dirty="0" smtClean="0">
+              <a:solidFill>
+                <a:schemeClr val="accent1"/>
+              </a:solidFill>
+            </a:endParaRPr>
+          </a:p>
+          <a:p>
+            <a:pPr>
+              <a:buNone/>
+            </a:pPr>
+            <a:r>
+              <a:rPr lang="en-US" altLang="ko-KR" sz="2000" dirty="0" smtClean="0"/>
+              <a:t>    </a:t>
+            </a:r>
+            <a:r>
+              <a:rPr lang="en-US" altLang="ko-KR" sz="2000" dirty="0" err="1" smtClean="0"/>
+              <a:t>saveUninitialized</a:t>
+            </a:r>
+            <a:r>
+              <a:rPr lang="en-US" altLang="ko-KR" sz="2000" dirty="0" smtClean="0"/>
+              <a:t>: true, </a:t>
+            </a:r>
+          </a:p>
+          <a:p>
+            <a:pPr>
+              <a:buNone/>
+            </a:pPr>
+            <a:r>
+              <a:rPr lang="en-US" altLang="ko-KR" sz="2000" dirty="0" smtClean="0"/>
+              <a:t>    </a:t>
+            </a:r>
+            <a:r>
+              <a:rPr lang="en-US" altLang="ko-KR" sz="2000" dirty="0" smtClean="0">
+                <a:solidFill>
+                  <a:schemeClr val="accent1"/>
+                </a:solidFill>
+              </a:rPr>
+              <a:t>//</a:t>
             </a:r>
             <a:r>
               <a:rPr lang="ko-KR" altLang="en-US" sz="2000" dirty="0" smtClean="0">
@@ -9264,59 +9081,7 @@
                   <a:schemeClr val="accent1"/>
                 </a:solidFill>
               </a:rPr>
-              <a:t>드</a:t>
-            </a:r>
-            <a:endParaRPr lang="en-US" sz="2000" dirty="0" smtClean="0">
-              <a:solidFill>
-                <a:schemeClr val="accent1"/>
-              </a:solidFill>
-            </a:endParaRPr>
-          </a:p>
-          <a:p>
-            <a:pPr fontAlgn="base">
-              <a:lnSpc>
-                <a:spcPct val="130000"/>
-              </a:lnSpc>
-            </a:pPr>
-            <a:r>
-              <a:rPr lang="en-US" sz="2000" dirty="0" err="1" smtClean="0"/>
-              <a:t>npm</a:t>
-            </a:r>
-            <a:r>
-              <a:rPr lang="en-US" sz="2000" dirty="0" smtClean="0"/>
-              <a:t> install –save </a:t>
-            </a:r>
-            <a:r>
-              <a:rPr lang="en-US" sz="2000" dirty="0" smtClean="0"/>
-              <a:t>passport-local</a:t>
-            </a:r>
-          </a:p>
-          <a:p>
-            <a:pPr fontAlgn="base">
-              <a:lnSpc>
-                <a:spcPct val="130000"/>
-              </a:lnSpc>
-              <a:buNone/>
-            </a:pPr>
-            <a:r>
-              <a:rPr lang="en-US" sz="2000" dirty="0" smtClean="0"/>
-              <a:t>	</a:t>
-            </a:r>
-            <a:r>
-              <a:rPr lang="en-US" sz="2000" dirty="0" smtClean="0">
-                <a:solidFill>
-                  <a:schemeClr val="accent1"/>
-                </a:solidFill>
-              </a:rPr>
-              <a:t>local </a:t>
-            </a:r>
-            <a:r>
-              <a:rPr lang="ko-KR" altLang="en-US" sz="2000" dirty="0" smtClean="0">
-                <a:solidFill>
-                  <a:schemeClr val="accent1"/>
-                </a:solidFill>
-              </a:rPr>
-              <a:t>방식으로 </a:t>
+              <a:t>세션이 </a:t>
             </a:r>
             <a:r>
               <a:rPr lang="ko-KR" altLang="en-US" sz="2000" dirty="0" err="1" smtClean="0">
@@ -9324,55 +9089,7 @@
                   <a:schemeClr val="accent1"/>
                 </a:solidFill>
               </a:rPr>
-              <a:t>저장가능하게</a:t>
-            </a:r>
-            <a:r>
-              <a:rPr lang="ko-KR" altLang="en-US" sz="2000" dirty="0" smtClean="0">
-                <a:solidFill>
-                  <a:schemeClr val="accent1"/>
-                </a:solidFill>
-              </a:rPr>
-              <a:t> 사용</a:t>
-            </a:r>
-            <a:endParaRPr lang="en-US" sz="2000" dirty="0" smtClean="0">
-              <a:solidFill>
-                <a:schemeClr val="accent1"/>
-              </a:solidFill>
-            </a:endParaRPr>
-          </a:p>
-          <a:p>
-            <a:pPr fontAlgn="base">
-              <a:lnSpc>
-                <a:spcPct val="130000"/>
-              </a:lnSpc>
-            </a:pPr>
-            <a:r>
-              <a:rPr lang="en-US" sz="2000" dirty="0" err="1" smtClean="0"/>
-              <a:t>npm</a:t>
-            </a:r>
-            <a:r>
-              <a:rPr lang="en-US" sz="2000" dirty="0" smtClean="0"/>
-              <a:t> install –save connect-flash</a:t>
-            </a:r>
-          </a:p>
-          <a:p>
-            <a:pPr>
-              <a:lnSpc>
-                <a:spcPct val="130000"/>
-              </a:lnSpc>
-              <a:buNone/>
-            </a:pPr>
-            <a:r>
-              <a:rPr lang="ko-KR" altLang="en-US" sz="2000" dirty="0" smtClean="0"/>
-              <a:t>    </a:t>
-            </a:r>
-            <a:r>
-              <a:rPr lang="ko-KR" altLang="en-US" sz="2000" dirty="0" err="1" smtClean="0">
-                <a:solidFill>
-                  <a:schemeClr val="accent1"/>
-                </a:solidFill>
-              </a:rPr>
-              <a:t>로그인성공</a:t>
+              <a:t>저장되기전</a:t>
             </a:r>
             <a:r>
               <a:rPr lang="ko-KR" altLang="en-US" sz="2000" dirty="0" smtClean="0">
@@ -9383,20 +9100,67 @@
               <a:t> </a:t>
             </a:r>
             <a:r>
+              <a:rPr lang="en-US" sz="2000" dirty="0" smtClean="0">
+                <a:solidFill>
+                  <a:schemeClr val="accent1"/>
+                </a:solidFill>
+              </a:rPr>
+              <a:t>uninitialized </a:t>
+            </a:r>
+            <a:r>
+              <a:rPr lang="ko-KR" altLang="en-US" sz="2000" dirty="0" smtClean="0">
+                <a:solidFill>
+                  <a:schemeClr val="accent1"/>
+                </a:solidFill>
+              </a:rPr>
+              <a:t>상태로 </a:t>
+            </a:r>
+            <a:r>
+              <a:rPr lang="ko-KR" altLang="en-US" sz="2000" dirty="0" err="1" smtClean="0">
+                <a:solidFill>
+                  <a:schemeClr val="accent1"/>
+                </a:solidFill>
+              </a:rPr>
+              <a:t>만듬</a:t>
+            </a:r>
+            <a:endParaRPr lang="en-US" altLang="ko-KR" sz="2000" dirty="0" smtClean="0">
+              <a:solidFill>
+                <a:schemeClr val="accent1"/>
+              </a:solidFill>
+            </a:endParaRPr>
+          </a:p>
+          <a:p>
+            <a:pPr>
+              <a:buNone/>
+            </a:pPr>
+            <a:r>
+              <a:rPr lang="en-US" altLang="ko-KR" sz="2000" dirty="0" smtClean="0"/>
+              <a:t>    cookie: {</a:t>
+            </a:r>
+          </a:p>
+          <a:p>
+            <a:pPr>
+              <a:buNone/>
+            </a:pPr>
+            <a:r>
+              <a:rPr lang="en-US" altLang="ko-KR" sz="2000" dirty="0" smtClean="0"/>
+              <a:t>      </a:t>
+            </a:r>
+            <a:r>
+              <a:rPr lang="en-US" altLang="ko-KR" sz="2000" dirty="0" err="1" smtClean="0"/>
+              <a:t>maxAge</a:t>
+            </a:r>
+            <a:r>
+              <a:rPr lang="en-US" altLang="ko-KR" sz="2000" dirty="0" smtClean="0"/>
+              <a:t>: 2000 * 60 * 60 </a:t>
+            </a:r>
+            <a:r>
               <a:rPr lang="en-US" altLang="ko-KR" sz="2000" dirty="0" smtClean="0">
                 <a:solidFill>
                   <a:schemeClr val="accent1"/>
                 </a:solidFill>
               </a:rPr>
-              <a:t>or </a:t>
-            </a:r>
-            <a:r>
-              <a:rPr lang="ko-KR" altLang="en-US" sz="2000" dirty="0" err="1" smtClean="0">
-                <a:solidFill>
-                  <a:schemeClr val="accent1"/>
-                </a:solidFill>
-              </a:rPr>
-              <a:t>실패시</a:t>
+              <a:t>//</a:t>
             </a:r>
             <a:r>
               <a:rPr lang="ko-KR" altLang="en-US" sz="2000" dirty="0" smtClean="0">
@@ -9404,7 +9168,7 @@
                   <a:schemeClr val="accent1"/>
                 </a:solidFill>
               </a:rPr>
-              <a:t> </a:t>
+              <a:t>지속시간 </a:t>
             </a:r>
             <a:r>
               <a:rPr lang="en-US" altLang="ko-KR" sz="2000" dirty="0" smtClean="0">
@@ -9412,7 +9176,7 @@
                   <a:schemeClr val="accent1"/>
                 </a:solidFill>
               </a:rPr>
-              <a:t>flash message </a:t>
+              <a:t>2</a:t>
             </a:r>
             <a:r>
               <a:rPr lang="ko-KR" altLang="en-US" sz="2000" dirty="0" smtClean="0">
@@ -9420,13 +9184,31 @@
                   <a:schemeClr val="accent1"/>
                 </a:solidFill>
               </a:rPr>
-              <a:t>사용</a:t>
-            </a:r>
-            <a:endParaRPr lang="ko-KR" altLang="en-US" sz="2000" dirty="0">
-              <a:solidFill>
-                <a:schemeClr val="accent1"/>
-              </a:solidFill>
-            </a:endParaRPr>
+              <a:t>시간</a:t>
+            </a:r>
+          </a:p>
+          <a:p>
+            <a:pPr>
+              <a:buNone/>
+            </a:pPr>
+            <a:r>
+              <a:rPr lang="ko-KR" altLang="en-US" sz="2000" dirty="0" smtClean="0"/>
+              <a:t>    </a:t>
+            </a:r>
+            <a:r>
+              <a:rPr lang="en-US" altLang="ko-KR" sz="2000" dirty="0" smtClean="0"/>
+              <a:t>}</a:t>
+            </a:r>
+          </a:p>
+          <a:p>
+            <a:pPr>
+              <a:buNone/>
+            </a:pPr>
+            <a:r>
+              <a:rPr lang="en-US" altLang="ko-KR" sz="2000" dirty="0" smtClean="0"/>
+              <a:t>}));</a:t>
+            </a:r>
+            <a:endParaRPr lang="ko-KR" altLang="en-US" sz="2000" dirty="0"/>
           </a:p>
         </p:txBody>
       </p:sp>
@@ -9490,113 +9272,268 @@
         </p:nvSpPr>
         <p:spPr/>
         <p:txBody>
-          <a:bodyPr/>
-          <a:lstStyle/>
-          <a:p>
-            <a:r>
-              <a:rPr lang="en-US" altLang="ko-KR" dirty="0" smtClean="0"/>
-              <a:t>passport</a:t>
-            </a:r>
+          <a:bodyPr>
+            <a:normAutofit fontScale="92500" lnSpcReduction="20000"/>
+          </a:bodyPr>
+          <a:lstStyle/>
+          <a:p>
             <a:r>
               <a:rPr lang="ko-KR" altLang="en-US" dirty="0" smtClean="0"/>
-              <a:t>적용순서</a:t>
+              <a:t>로그인 </a:t>
+            </a:r>
+            <a:r>
+              <a:rPr lang="ko-KR" altLang="en-US" dirty="0" err="1" smtClean="0"/>
+              <a:t>구현시</a:t>
+            </a:r>
+            <a:r>
+              <a:rPr lang="ko-KR" altLang="en-US" dirty="0" smtClean="0"/>
+              <a:t> 사용할 모듈 다운로드</a:t>
             </a:r>
             <a:endParaRPr lang="en-US" altLang="ko-KR" dirty="0" smtClean="0"/>
           </a:p>
           <a:p>
-            <a:endParaRPr lang="en-US" altLang="ko-KR" dirty="0" smtClean="0"/>
-          </a:p>
-          <a:p>
-            <a:pPr marL="514350" indent="-514350">
-              <a:buFont typeface="+mj-lt"/>
-              <a:buAutoNum type="arabicPeriod"/>
+            <a:pPr fontAlgn="base"/>
+            <a:endParaRPr lang="en-US" sz="2000" dirty="0" smtClean="0"/>
+          </a:p>
+          <a:p>
+            <a:pPr fontAlgn="base">
+              <a:lnSpc>
+                <a:spcPct val="130000"/>
+              </a:lnSpc>
             </a:pPr>
             <a:r>
-              <a:rPr lang="ko-KR" altLang="en-US" sz="2700" dirty="0" smtClean="0"/>
-              <a:t>정책작성 </a:t>
-            </a:r>
-            <a:endParaRPr lang="en-US" altLang="ko-KR" sz="2700" dirty="0" smtClean="0"/>
-          </a:p>
-          <a:p>
-            <a:pPr marL="914400" lvl="1" indent="-514350"/>
-            <a:r>
-              <a:rPr lang="ko-KR" altLang="en-US" sz="2300" dirty="0" smtClean="0"/>
-              <a:t>필드 및 </a:t>
-            </a:r>
-            <a:r>
-              <a:rPr lang="en-US" altLang="ko-KR" sz="2300" dirty="0" smtClean="0"/>
+              <a:rPr lang="en-US" sz="2000" dirty="0" err="1" smtClean="0"/>
+              <a:t>npm</a:t>
+            </a:r>
+            <a:r>
+              <a:rPr lang="en-US" sz="2000" dirty="0" smtClean="0"/>
+              <a:t> install –save express-session</a:t>
+            </a:r>
+          </a:p>
+          <a:p>
+            <a:pPr fontAlgn="base">
+              <a:lnSpc>
+                <a:spcPct val="130000"/>
+              </a:lnSpc>
+              <a:buNone/>
+            </a:pPr>
+            <a:r>
+              <a:rPr lang="en-US" altLang="ko-KR" sz="2000" dirty="0" smtClean="0"/>
+              <a:t>	</a:t>
+            </a:r>
+            <a:r>
+              <a:rPr lang="ko-KR" altLang="en-US" sz="2000" dirty="0" smtClean="0">
+                <a:solidFill>
+                  <a:schemeClr val="accent1"/>
+                </a:solidFill>
+              </a:rPr>
+              <a:t>세션사용</a:t>
+            </a:r>
+            <a:endParaRPr lang="en-US" sz="2000" dirty="0" smtClean="0">
+              <a:solidFill>
+                <a:schemeClr val="accent1"/>
+              </a:solidFill>
+            </a:endParaRPr>
+          </a:p>
+          <a:p>
+            <a:pPr fontAlgn="base">
+              <a:lnSpc>
+                <a:spcPct val="130000"/>
+              </a:lnSpc>
+            </a:pPr>
+            <a:r>
+              <a:rPr lang="en-US" sz="2000" dirty="0" err="1" smtClean="0"/>
+              <a:t>npm</a:t>
+            </a:r>
+            <a:r>
+              <a:rPr lang="en-US" sz="2000" dirty="0" smtClean="0"/>
+              <a:t> install –save passport</a:t>
+            </a:r>
+          </a:p>
+          <a:p>
+            <a:pPr fontAlgn="base">
+              <a:lnSpc>
+                <a:spcPct val="130000"/>
+              </a:lnSpc>
+              <a:buNone/>
+            </a:pPr>
+            <a:r>
+              <a:rPr lang="en-US" sz="2000" dirty="0" smtClean="0"/>
+              <a:t>	</a:t>
+            </a:r>
+            <a:r>
+              <a:rPr lang="en-US" sz="2000" dirty="0" smtClean="0">
+                <a:solidFill>
+                  <a:schemeClr val="accent1"/>
+                </a:solidFill>
+              </a:rPr>
               <a:t>passport </a:t>
             </a:r>
             <a:r>
-              <a:rPr lang="ko-KR" altLang="en-US" sz="2300" dirty="0" err="1" smtClean="0"/>
-              <a:t>콜백</a:t>
-            </a:r>
-            <a:r>
-              <a:rPr lang="ko-KR" altLang="en-US" sz="2300" dirty="0" smtClean="0"/>
-              <a:t> 인증부분작성</a:t>
-            </a:r>
-            <a:endParaRPr lang="en-US" altLang="ko-KR" sz="2300" dirty="0" smtClean="0"/>
-          </a:p>
-          <a:p>
-            <a:pPr marL="514350" indent="-514350">
-              <a:buFont typeface="+mj-lt"/>
-              <a:buAutoNum type="arabicPeriod"/>
+              <a:rPr lang="ko-KR" altLang="en-US" sz="2000" dirty="0" smtClean="0">
+                <a:solidFill>
+                  <a:schemeClr val="accent1"/>
+                </a:solidFill>
+              </a:rPr>
+              <a:t>다운로드</a:t>
+            </a:r>
+            <a:endParaRPr lang="en-US" sz="2000" dirty="0" smtClean="0">
+              <a:solidFill>
+                <a:schemeClr val="accent1"/>
+              </a:solidFill>
+            </a:endParaRPr>
+          </a:p>
+          <a:p>
+            <a:pPr fontAlgn="base">
+              <a:lnSpc>
+                <a:spcPct val="130000"/>
+              </a:lnSpc>
             </a:pPr>
             <a:r>
-              <a:rPr lang="en-US" sz="2800" dirty="0" err="1" smtClean="0"/>
-              <a:t>serializeUser</a:t>
-            </a:r>
-            <a:r>
-              <a:rPr lang="en-US" sz="2800" dirty="0" smtClean="0"/>
-              <a:t>, </a:t>
-            </a:r>
-            <a:r>
-              <a:rPr lang="en-US" sz="2800" dirty="0" err="1" smtClean="0"/>
-              <a:t>deserializeUser</a:t>
-            </a:r>
-            <a:r>
-              <a:rPr lang="en-US" sz="2800" dirty="0" smtClean="0"/>
+              <a:rPr lang="en-US" sz="2000" dirty="0" err="1" smtClean="0"/>
+              <a:t>npm</a:t>
+            </a:r>
+            <a:r>
+              <a:rPr lang="en-US" sz="2000" dirty="0" smtClean="0"/>
+              <a:t> install –save passport-local</a:t>
+            </a:r>
+          </a:p>
+          <a:p>
+            <a:pPr fontAlgn="base">
+              <a:lnSpc>
+                <a:spcPct val="130000"/>
+              </a:lnSpc>
+              <a:buNone/>
+            </a:pPr>
+            <a:r>
+              <a:rPr lang="en-US" sz="2000" dirty="0" smtClean="0"/>
+              <a:t>	</a:t>
+            </a:r>
+            <a:r>
+              <a:rPr lang="en-US" sz="2000" dirty="0" smtClean="0">
+                <a:solidFill>
+                  <a:schemeClr val="accent1"/>
+                </a:solidFill>
+              </a:rPr>
+              <a:t>local </a:t>
+            </a:r>
+            <a:r>
+              <a:rPr lang="ko-KR" altLang="en-US" sz="2000" dirty="0" smtClean="0">
+                <a:solidFill>
+                  <a:schemeClr val="accent1"/>
+                </a:solidFill>
+              </a:rPr>
+              <a:t>방식으로 </a:t>
+            </a:r>
+            <a:r>
+              <a:rPr lang="ko-KR" altLang="en-US" sz="2000" dirty="0" err="1" smtClean="0">
+                <a:solidFill>
+                  <a:schemeClr val="accent1"/>
+                </a:solidFill>
+              </a:rPr>
+              <a:t>저장가능하게</a:t>
+            </a:r>
+            <a:r>
+              <a:rPr lang="ko-KR" altLang="en-US" sz="2000" dirty="0" smtClean="0">
+                <a:solidFill>
+                  <a:schemeClr val="accent1"/>
+                </a:solidFill>
+              </a:rPr>
+              <a:t> 사용</a:t>
+            </a:r>
+            <a:endParaRPr lang="en-US" sz="2000" dirty="0" smtClean="0">
+              <a:solidFill>
+                <a:schemeClr val="accent1"/>
+              </a:solidFill>
+            </a:endParaRPr>
+          </a:p>
+          <a:p>
+            <a:pPr fontAlgn="base">
+              <a:lnSpc>
+                <a:spcPct val="130000"/>
+              </a:lnSpc>
+            </a:pPr>
+            <a:r>
+              <a:rPr lang="en-US" sz="2000" dirty="0" err="1" smtClean="0"/>
+              <a:t>npm</a:t>
+            </a:r>
+            <a:r>
+              <a:rPr lang="en-US" sz="2000" dirty="0" smtClean="0"/>
+              <a:t> install –save connect-flash</a:t>
+            </a:r>
+          </a:p>
+          <a:p>
+            <a:pPr>
+              <a:lnSpc>
+                <a:spcPct val="130000"/>
+              </a:lnSpc>
+              <a:buNone/>
+            </a:pPr>
+            <a:r>
+              <a:rPr lang="ko-KR" altLang="en-US" sz="2000" dirty="0" smtClean="0"/>
+              <a:t>    </a:t>
+            </a:r>
+            <a:r>
+              <a:rPr lang="ko-KR" altLang="en-US" sz="2000" dirty="0" err="1" smtClean="0">
+                <a:solidFill>
+                  <a:schemeClr val="accent1"/>
+                </a:solidFill>
+              </a:rPr>
+              <a:t>로그인성공</a:t>
+            </a:r>
+            <a:r>
+              <a:rPr lang="ko-KR" altLang="en-US" sz="2000" dirty="0" smtClean="0">
+                <a:solidFill>
+                  <a:schemeClr val="accent1"/>
+                </a:solidFill>
+              </a:rPr>
               <a:t> </a:t>
             </a:r>
             <a:r>
-              <a:rPr lang="ko-KR" altLang="en-US" sz="2800" dirty="0" smtClean="0"/>
-              <a:t>작성</a:t>
-            </a:r>
-            <a:endParaRPr lang="en-US" altLang="ko-KR" sz="2800" dirty="0" smtClean="0"/>
-          </a:p>
-          <a:p>
-            <a:pPr marL="914400" lvl="1" indent="-514350"/>
-            <a:r>
-              <a:rPr lang="ko-KR" altLang="en-US" sz="2400" dirty="0" smtClean="0"/>
-              <a:t>첫 로그인시</a:t>
-            </a:r>
-            <a:r>
-              <a:rPr lang="en-US" altLang="ko-KR" sz="2400" dirty="0" smtClean="0"/>
-              <a:t>, </a:t>
-            </a:r>
-            <a:r>
-              <a:rPr lang="ko-KR" altLang="en-US" sz="2400" dirty="0" smtClean="0"/>
-              <a:t>그 이후 조회 시 사용</a:t>
-            </a:r>
-            <a:endParaRPr lang="en-US" altLang="ko-KR" sz="2400" dirty="0" smtClean="0"/>
-          </a:p>
-          <a:p>
-            <a:pPr marL="514350" indent="-514350">
-              <a:buFont typeface="+mj-lt"/>
-              <a:buAutoNum type="arabicPeriod"/>
-            </a:pPr>
-            <a:r>
-              <a:rPr lang="en-US" altLang="ko-KR" sz="2700" dirty="0" smtClean="0"/>
-              <a:t>router (  POST , GET ) </a:t>
-            </a:r>
-            <a:r>
-              <a:rPr lang="ko-KR" altLang="en-US" sz="2700" dirty="0" smtClean="0"/>
-              <a:t>적용</a:t>
-            </a:r>
-            <a:endParaRPr lang="en-US" altLang="ko-KR" sz="2700" dirty="0" smtClean="0"/>
-          </a:p>
-          <a:p>
-            <a:endParaRPr lang="ko-KR" altLang="en-US" dirty="0"/>
+              <a:rPr lang="en-US" altLang="ko-KR" sz="2000" dirty="0" smtClean="0">
+                <a:solidFill>
+                  <a:schemeClr val="accent1"/>
+                </a:solidFill>
+              </a:rPr>
+              <a:t>or </a:t>
+            </a:r>
+            <a:r>
+              <a:rPr lang="ko-KR" altLang="en-US" sz="2000" dirty="0" err="1" smtClean="0">
+                <a:solidFill>
+                  <a:schemeClr val="accent1"/>
+                </a:solidFill>
+              </a:rPr>
+              <a:t>실패시</a:t>
+            </a:r>
+            <a:r>
+              <a:rPr lang="ko-KR" altLang="en-US" sz="2000" dirty="0" smtClean="0">
+                <a:solidFill>
+                  <a:schemeClr val="accent1"/>
+                </a:solidFill>
+              </a:rPr>
+              <a:t> </a:t>
+            </a:r>
+            <a:r>
+              <a:rPr lang="en-US" altLang="ko-KR" sz="2000" dirty="0" smtClean="0">
+                <a:solidFill>
+                  <a:schemeClr val="accent1"/>
+                </a:solidFill>
+              </a:rPr>
+              <a:t>flash message </a:t>
+            </a:r>
+            <a:r>
+              <a:rPr lang="ko-KR" altLang="en-US" sz="2000" dirty="0" smtClean="0">
+                <a:solidFill>
+                  <a:schemeClr val="accent1"/>
+                </a:solidFill>
+              </a:rPr>
+              <a:t>사용</a:t>
+            </a:r>
+            <a:endParaRPr lang="ko-KR" altLang="en-US" sz="2000" dirty="0">
+              <a:solidFill>
+                <a:schemeClr val="accent1"/>
+              </a:solidFill>
+            </a:endParaRPr>
           </a:p>
         </p:txBody>
       </p:sp>
@@ -9609,6 +9546,176 @@
 </file>
 
 <file path=ppt/slides/slide46.xml><?xml version="1.0" encoding="utf-8"?>
+<p:sld xmlns:a="http://schemas.openxmlformats.org/drawingml/2006/main" xmlns:r="http://schemas.openxmlformats.org/officeDocument/2006/relationships" xmlns:p="http://schemas.openxmlformats.org/presentationml/2006/main">
+  <p:cSld>
+    <p:spTree>
+      <p:nvGrpSpPr>
+        <p:cNvPr id="1" name=""/>
+        <p:cNvGrpSpPr/>
+        <p:nvPr/>
+      </p:nvGrpSpPr>
+      <p:grpSpPr>
+        <a:xfrm>
+          <a:off x="0" y="0"/>
+          <a:ext cx="0" cy="0"/>
+          <a:chOff x="0" y="0"/>
+          <a:chExt cx="0" cy="0"/>
+        </a:xfrm>
+      </p:grpSpPr>
+      <p:sp>
+        <p:nvSpPr>
+          <p:cNvPr id="2" name="제목 1"/>
+          <p:cNvSpPr>
+            <a:spLocks noGrp="1"/>
+          </p:cNvSpPr>
+          <p:nvPr>
+            <p:ph type="title"/>
+          </p:nvPr>
+        </p:nvSpPr>
+        <p:spPr/>
+        <p:txBody>
+          <a:bodyPr/>
+          <a:lstStyle/>
+          <a:p>
+            <a:r>
+              <a:rPr lang="ko-KR" altLang="en-US" dirty="0" smtClean="0"/>
+              <a:t>로그인</a:t>
+            </a:r>
+            <a:endParaRPr lang="ko-KR" altLang="en-US" dirty="0"/>
+          </a:p>
+        </p:txBody>
+      </p:sp>
+      <p:sp>
+        <p:nvSpPr>
+          <p:cNvPr id="3" name="텍스트 개체 틀 2"/>
+          <p:cNvSpPr>
+            <a:spLocks noGrp="1"/>
+          </p:cNvSpPr>
+          <p:nvPr>
+            <p:ph type="body" sz="quarter" idx="11"/>
+          </p:nvPr>
+        </p:nvSpPr>
+        <p:spPr/>
+        <p:txBody>
+          <a:bodyPr/>
+          <a:lstStyle/>
+          <a:p>
+            <a:r>
+              <a:rPr lang="en-US" altLang="ko-KR" dirty="0" smtClean="0"/>
+              <a:t>passport</a:t>
+            </a:r>
+            <a:r>
+              <a:rPr lang="ko-KR" altLang="en-US" dirty="0" smtClean="0"/>
+              <a:t>적용순서</a:t>
+            </a:r>
+            <a:endParaRPr lang="en-US" altLang="ko-KR" dirty="0" smtClean="0"/>
+          </a:p>
+          <a:p>
+            <a:endParaRPr lang="en-US" altLang="ko-KR" dirty="0" smtClean="0"/>
+          </a:p>
+          <a:p>
+            <a:pPr marL="514350" indent="-514350">
+              <a:buFont typeface="+mj-lt"/>
+              <a:buAutoNum type="arabicPeriod"/>
+            </a:pPr>
+            <a:r>
+              <a:rPr lang="ko-KR" altLang="en-US" sz="2700" dirty="0" smtClean="0"/>
+              <a:t>정책작성 </a:t>
+            </a:r>
+            <a:endParaRPr lang="en-US" altLang="ko-KR" sz="2700" dirty="0" smtClean="0"/>
+          </a:p>
+          <a:p>
+            <a:pPr marL="914400" lvl="1" indent="-514350"/>
+            <a:r>
+              <a:rPr lang="ko-KR" altLang="en-US" sz="2300" dirty="0" smtClean="0"/>
+              <a:t>필드 및 </a:t>
+            </a:r>
+            <a:r>
+              <a:rPr lang="en-US" altLang="ko-KR" sz="2300" dirty="0" smtClean="0"/>
+              <a:t>passport </a:t>
+            </a:r>
+            <a:r>
+              <a:rPr lang="ko-KR" altLang="en-US" sz="2300" dirty="0" err="1" smtClean="0"/>
+              <a:t>콜백</a:t>
+            </a:r>
+            <a:r>
+              <a:rPr lang="ko-KR" altLang="en-US" sz="2300" dirty="0" smtClean="0"/>
+              <a:t> 인증부분작성</a:t>
+            </a:r>
+            <a:endParaRPr lang="en-US" altLang="ko-KR" sz="2300" dirty="0" smtClean="0"/>
+          </a:p>
+          <a:p>
+            <a:pPr marL="514350" indent="-514350">
+              <a:buFont typeface="+mj-lt"/>
+              <a:buAutoNum type="arabicPeriod"/>
+            </a:pPr>
+            <a:r>
+              <a:rPr lang="en-US" sz="2800" dirty="0" err="1" smtClean="0"/>
+              <a:t>serializeUser</a:t>
+            </a:r>
+            <a:r>
+              <a:rPr lang="en-US" sz="2800" dirty="0" smtClean="0"/>
+              <a:t>, </a:t>
+            </a:r>
+            <a:r>
+              <a:rPr lang="en-US" sz="2800" dirty="0" err="1" smtClean="0"/>
+              <a:t>deserializeUser</a:t>
+            </a:r>
+            <a:r>
+              <a:rPr lang="en-US" sz="2800" dirty="0" smtClean="0"/>
+              <a:t> </a:t>
+            </a:r>
+            <a:r>
+              <a:rPr lang="ko-KR" altLang="en-US" sz="2800" dirty="0" smtClean="0"/>
+              <a:t>작성</a:t>
+            </a:r>
+            <a:endParaRPr lang="en-US" altLang="ko-KR" sz="2800" dirty="0" smtClean="0"/>
+          </a:p>
+          <a:p>
+            <a:pPr marL="914400" lvl="1" indent="-514350"/>
+            <a:r>
+              <a:rPr lang="ko-KR" altLang="en-US" sz="2400" dirty="0" smtClean="0"/>
+              <a:t>첫 로그인시</a:t>
+            </a:r>
+            <a:r>
+              <a:rPr lang="en-US" altLang="ko-KR" sz="2400" dirty="0" smtClean="0"/>
+              <a:t>, </a:t>
+            </a:r>
+            <a:r>
+              <a:rPr lang="ko-KR" altLang="en-US" sz="2400" dirty="0" smtClean="0"/>
+              <a:t>그 이후 조회 시 사용</a:t>
+            </a:r>
+            <a:endParaRPr lang="en-US" altLang="ko-KR" sz="2400" dirty="0" smtClean="0"/>
+          </a:p>
+          <a:p>
+            <a:pPr marL="514350" indent="-514350">
+              <a:buFont typeface="+mj-lt"/>
+              <a:buAutoNum type="arabicPeriod"/>
+            </a:pPr>
+            <a:r>
+              <a:rPr lang="en-US" altLang="ko-KR" sz="2700" dirty="0" smtClean="0"/>
+              <a:t>router (  POST , GET ) </a:t>
+            </a:r>
+            <a:r>
+              <a:rPr lang="ko-KR" altLang="en-US" sz="2700" dirty="0" smtClean="0"/>
+              <a:t>적용</a:t>
+            </a:r>
+            <a:endParaRPr lang="en-US" altLang="ko-KR" sz="2700" dirty="0" smtClean="0"/>
+          </a:p>
+          <a:p>
+            <a:endParaRPr lang="ko-KR" altLang="en-US" dirty="0"/>
+          </a:p>
+        </p:txBody>
+      </p:sp>
+    </p:spTree>
+  </p:cSld>
+  <p:clrMapOvr>
+    <a:masterClrMapping/>
+  </p:clrMapOvr>
+</p:sld>
+</file>
+
+<file path=ppt/slides/slide47.xml><?xml version="1.0" encoding="utf-8"?>
 <p:sld xmlns:a="http://schemas.openxmlformats.org/drawingml/2006/main" xmlns:r="http://schemas.openxmlformats.org/officeDocument/2006/relationships" xmlns:p="http://schemas.openxmlformats.org/presentationml/2006/main">
   <p:cSld>
     <p:spTree>
@@ -9852,7 +9959,7 @@
 </p:sld>
 </file>
 
-<file path=ppt/slides/slide47.xml><?xml version="1.0" encoding="utf-8"?>
+<file path=ppt/slides/slide48.xml><?xml version="1.0" encoding="utf-8"?>
 <p:sld xmlns:a="http://schemas.openxmlformats.org/drawingml/2006/main" xmlns:r="http://schemas.openxmlformats.org/officeDocument/2006/relationships" xmlns:p="http://schemas.openxmlformats.org/presentationml/2006/main">
   <p:cSld>
     <p:spTree>
@@ -10161,7 +10268,7 @@
 </p:sld>
 </file>
 
-<file path=ppt/slides/slide48.xml><?xml version="1.0" encoding="utf-8"?>
+<file path=ppt/slides/slide49.xml><?xml version="1.0" encoding="utf-8"?>
 <p:sld xmlns:a="http://schemas.openxmlformats.org/drawingml/2006/main" xmlns:r="http://schemas.openxmlformats.org/officeDocument/2006/relationships" xmlns:p="http://schemas.openxmlformats.org/presentationml/2006/main">
   <p:cSld>
     <p:spTree>
@@ -10264,131 +10371,6 @@
           <a:xfrm>
             <a:off x="1500166" y="2786058"/>
             <a:ext cx="5859539" cy="1285884"/>
-          </a:xfrm>
-          <a:prstGeom prst="rect">
-            <a:avLst/>
-          </a:prstGeom>
-        </p:spPr>
-      </p:pic>
-    </p:spTree>
-  </p:cSld>
-  <p:clrMapOvr>
-    <a:masterClrMapping/>
-  </p:clrMapOvr>
-</p:sld>
-</file>
-
-<file path=ppt/slides/slide49.xml><?xml version="1.0" encoding="utf-8"?>
-<p:sld xmlns:a="http://schemas.openxmlformats.org/drawingml/2006/main" xmlns:r="http://schemas.openxmlformats.org/officeDocument/2006/relationships" xmlns:p="http://schemas.openxmlformats.org/presentationml/2006/main">
-  <p:cSld>
-    <p:spTree>
-      <p:nvGrpSpPr>
-        <p:cNvPr id="1" name=""/>
-        <p:cNvGrpSpPr/>
-        <p:nvPr/>
-      </p:nvGrpSpPr>
-      <p:grpSpPr>
-        <a:xfrm>
-          <a:off x="0" y="0"/>
-          <a:ext cx="0" cy="0"/>
-          <a:chOff x="0" y="0"/>
-          <a:chExt cx="0" cy="0"/>
-        </a:xfrm>
-      </p:grpSpPr>
-      <p:sp>
-        <p:nvSpPr>
-          <p:cNvPr id="2" name="제목 1"/>
-          <p:cNvSpPr>
-            <a:spLocks noGrp="1"/>
-          </p:cNvSpPr>
-          <p:nvPr>
-            <p:ph type="title"/>
-          </p:nvPr>
-        </p:nvSpPr>
-        <p:spPr/>
-        <p:txBody>
-          <a:bodyPr/>
-          <a:lstStyle/>
-          <a:p>
-            <a:r>
-              <a:rPr lang="ko-KR" altLang="en-US" dirty="0" smtClean="0"/>
-              <a:t>로그인</a:t>
-            </a:r>
-            <a:endParaRPr lang="ko-KR" altLang="en-US" dirty="0"/>
-          </a:p>
-        </p:txBody>
-      </p:sp>
-      <p:sp>
-        <p:nvSpPr>
-          <p:cNvPr id="3" name="텍스트 개체 틀 2"/>
-          <p:cNvSpPr>
-            <a:spLocks noGrp="1"/>
-          </p:cNvSpPr>
-          <p:nvPr>
-            <p:ph type="body" sz="quarter" idx="11"/>
-          </p:nvPr>
-        </p:nvSpPr>
-        <p:spPr/>
-        <p:txBody>
-          <a:bodyPr/>
-          <a:lstStyle/>
-          <a:p>
-            <a:r>
-              <a:rPr lang="en-US" dirty="0" err="1" smtClean="0"/>
-              <a:t>deserializeUser</a:t>
-            </a:r>
-            <a:endParaRPr lang="en-US" dirty="0" smtClean="0"/>
-          </a:p>
-          <a:p>
-            <a:endParaRPr lang="en-US" dirty="0" smtClean="0"/>
-          </a:p>
-          <a:p>
-            <a:endParaRPr lang="en-US" dirty="0" smtClean="0"/>
-          </a:p>
-          <a:p>
-            <a:endParaRPr lang="en-US" dirty="0" smtClean="0"/>
-          </a:p>
-          <a:p>
-            <a:endParaRPr lang="en-US" dirty="0" smtClean="0"/>
-          </a:p>
-          <a:p>
-            <a:r>
-              <a:rPr lang="ko-KR" altLang="en-US" dirty="0" smtClean="0"/>
-              <a:t>로그아웃 전까지 </a:t>
-            </a:r>
-            <a:r>
-              <a:rPr lang="ko-KR" altLang="en-US" dirty="0" err="1" smtClean="0"/>
-              <a:t>조회할때마다</a:t>
-            </a:r>
-            <a:r>
-              <a:rPr lang="ko-KR" altLang="en-US" dirty="0" smtClean="0"/>
-              <a:t> 계속 진행</a:t>
-            </a:r>
-            <a:endParaRPr lang="en-US" dirty="0" smtClean="0"/>
-          </a:p>
-          <a:p>
-            <a:endParaRPr lang="ko-KR" altLang="en-US" dirty="0"/>
-          </a:p>
-        </p:txBody>
-      </p:sp>
-      <p:pic>
-        <p:nvPicPr>
-          <p:cNvPr id="6" name="그림 5" descr="로그인가져옴.PNG"/>
-          <p:cNvPicPr>
-            <a:picLocks noChangeAspect="1"/>
-          </p:cNvPicPr>
-          <p:nvPr/>
-        </p:nvPicPr>
-        <p:blipFill>
-          <a:blip r:embed="rId2"/>
-          <a:stretch>
-            <a:fillRect/>
-          </a:stretch>
-        </p:blipFill>
-        <p:spPr>
-          <a:xfrm>
-            <a:off x="1428728" y="2714620"/>
-            <a:ext cx="6271573" cy="1571636"/>
           </a:xfrm>
           <a:prstGeom prst="rect">
             <a:avLst/>
@@ -10610,6 +10592,131 @@
           <a:lstStyle/>
           <a:p>
             <a:r>
+              <a:rPr lang="en-US" dirty="0" err="1" smtClean="0"/>
+              <a:t>deserializeUser</a:t>
+            </a:r>
+            <a:endParaRPr lang="en-US" dirty="0" smtClean="0"/>
+          </a:p>
+          <a:p>
+            <a:endParaRPr lang="en-US" dirty="0" smtClean="0"/>
+          </a:p>
+          <a:p>
+            <a:endParaRPr lang="en-US" dirty="0" smtClean="0"/>
+          </a:p>
+          <a:p>
+            <a:endParaRPr lang="en-US" dirty="0" smtClean="0"/>
+          </a:p>
+          <a:p>
+            <a:endParaRPr lang="en-US" dirty="0" smtClean="0"/>
+          </a:p>
+          <a:p>
+            <a:r>
+              <a:rPr lang="ko-KR" altLang="en-US" dirty="0" smtClean="0"/>
+              <a:t>로그아웃 전까지 </a:t>
+            </a:r>
+            <a:r>
+              <a:rPr lang="ko-KR" altLang="en-US" dirty="0" err="1" smtClean="0"/>
+              <a:t>조회할때마다</a:t>
+            </a:r>
+            <a:r>
+              <a:rPr lang="ko-KR" altLang="en-US" dirty="0" smtClean="0"/>
+              <a:t> 계속 진행</a:t>
+            </a:r>
+            <a:endParaRPr lang="en-US" dirty="0" smtClean="0"/>
+          </a:p>
+          <a:p>
+            <a:endParaRPr lang="ko-KR" altLang="en-US" dirty="0"/>
+          </a:p>
+        </p:txBody>
+      </p:sp>
+      <p:pic>
+        <p:nvPicPr>
+          <p:cNvPr id="6" name="그림 5" descr="로그인가져옴.PNG"/>
+          <p:cNvPicPr>
+            <a:picLocks noChangeAspect="1"/>
+          </p:cNvPicPr>
+          <p:nvPr/>
+        </p:nvPicPr>
+        <p:blipFill>
+          <a:blip r:embed="rId2"/>
+          <a:stretch>
+            <a:fillRect/>
+          </a:stretch>
+        </p:blipFill>
+        <p:spPr>
+          <a:xfrm>
+            <a:off x="1428728" y="2714620"/>
+            <a:ext cx="6271573" cy="1571636"/>
+          </a:xfrm>
+          <a:prstGeom prst="rect">
+            <a:avLst/>
+          </a:prstGeom>
+        </p:spPr>
+      </p:pic>
+    </p:spTree>
+  </p:cSld>
+  <p:clrMapOvr>
+    <a:masterClrMapping/>
+  </p:clrMapOvr>
+</p:sld>
+</file>
+
+<file path=ppt/slides/slide51.xml><?xml version="1.0" encoding="utf-8"?>
+<p:sld xmlns:a="http://schemas.openxmlformats.org/drawingml/2006/main" xmlns:r="http://schemas.openxmlformats.org/officeDocument/2006/relationships" xmlns:p="http://schemas.openxmlformats.org/presentationml/2006/main">
+  <p:cSld>
+    <p:spTree>
+      <p:nvGrpSpPr>
+        <p:cNvPr id="1" name=""/>
+        <p:cNvGrpSpPr/>
+        <p:nvPr/>
+      </p:nvGrpSpPr>
+      <p:grpSpPr>
+        <a:xfrm>
+          <a:off x="0" y="0"/>
+          <a:ext cx="0" cy="0"/>
+          <a:chOff x="0" y="0"/>
+          <a:chExt cx="0" cy="0"/>
+        </a:xfrm>
+      </p:grpSpPr>
+      <p:sp>
+        <p:nvSpPr>
+          <p:cNvPr id="2" name="제목 1"/>
+          <p:cNvSpPr>
+            <a:spLocks noGrp="1"/>
+          </p:cNvSpPr>
+          <p:nvPr>
+            <p:ph type="title"/>
+          </p:nvPr>
+        </p:nvSpPr>
+        <p:spPr/>
+        <p:txBody>
+          <a:bodyPr/>
+          <a:lstStyle/>
+          <a:p>
+            <a:r>
+              <a:rPr lang="ko-KR" altLang="en-US" dirty="0" smtClean="0"/>
+              <a:t>로그인</a:t>
+            </a:r>
+            <a:endParaRPr lang="ko-KR" altLang="en-US" dirty="0"/>
+          </a:p>
+        </p:txBody>
+      </p:sp>
+      <p:sp>
+        <p:nvSpPr>
+          <p:cNvPr id="3" name="텍스트 개체 틀 2"/>
+          <p:cNvSpPr>
+            <a:spLocks noGrp="1"/>
+          </p:cNvSpPr>
+          <p:nvPr>
+            <p:ph type="body" sz="quarter" idx="11"/>
+          </p:nvPr>
+        </p:nvSpPr>
+        <p:spPr/>
+        <p:txBody>
+          <a:bodyPr/>
+          <a:lstStyle/>
+          <a:p>
+            <a:r>
               <a:rPr lang="ko-KR" altLang="en-US" dirty="0" err="1" smtClean="0"/>
               <a:t>라우터</a:t>
             </a:r>
@@ -10656,7 +10763,7 @@
 </p:sld>
 </file>
 
-<file path=ppt/slides/slide51.xml><?xml version="1.0" encoding="utf-8"?>
+<file path=ppt/slides/slide52.xml><?xml version="1.0" encoding="utf-8"?>
 <p:sld xmlns:a="http://schemas.openxmlformats.org/drawingml/2006/main" xmlns:r="http://schemas.openxmlformats.org/officeDocument/2006/relationships" xmlns:p="http://schemas.openxmlformats.org/presentationml/2006/main">
   <p:cSld>
     <p:spTree>
@@ -10776,103 +10883,6 @@
 </p:sld>
 </file>
 
-<file path=ppt/slides/slide52.xml><?xml version="1.0" encoding="utf-8"?>
-<p:sld xmlns:a="http://schemas.openxmlformats.org/drawingml/2006/main" xmlns:r="http://schemas.openxmlformats.org/officeDocument/2006/relationships" xmlns:p="http://schemas.openxmlformats.org/presentationml/2006/main">
-  <p:cSld>
-    <p:spTree>
-      <p:nvGrpSpPr>
-        <p:cNvPr id="1" name=""/>
-        <p:cNvGrpSpPr/>
-        <p:nvPr/>
-      </p:nvGrpSpPr>
-      <p:grpSpPr>
-        <a:xfrm>
-          <a:off x="0" y="0"/>
-          <a:ext cx="0" cy="0"/>
-          <a:chOff x="0" y="0"/>
-          <a:chExt cx="0" cy="0"/>
-        </a:xfrm>
-      </p:grpSpPr>
-      <p:sp>
-        <p:nvSpPr>
-          <p:cNvPr id="2" name="제목 1"/>
-          <p:cNvSpPr>
-            <a:spLocks noGrp="1"/>
-          </p:cNvSpPr>
-          <p:nvPr>
-            <p:ph type="title"/>
-          </p:nvPr>
-        </p:nvSpPr>
-        <p:spPr/>
-        <p:txBody>
-          <a:bodyPr/>
-          <a:lstStyle/>
-          <a:p>
-            <a:r>
-              <a:rPr lang="ko-KR" altLang="en-US" dirty="0" smtClean="0"/>
-              <a:t>로그인</a:t>
-            </a:r>
-            <a:endParaRPr lang="ko-KR" altLang="en-US" dirty="0"/>
-          </a:p>
-        </p:txBody>
-      </p:sp>
-      <p:sp>
-        <p:nvSpPr>
-          <p:cNvPr id="3" name="텍스트 개체 틀 2"/>
-          <p:cNvSpPr>
-            <a:spLocks noGrp="1"/>
-          </p:cNvSpPr>
-          <p:nvPr>
-            <p:ph type="body" sz="quarter" idx="11"/>
-          </p:nvPr>
-        </p:nvSpPr>
-        <p:spPr/>
-        <p:txBody>
-          <a:bodyPr/>
-          <a:lstStyle/>
-          <a:p>
-            <a:r>
-              <a:rPr lang="ko-KR" altLang="en-US" dirty="0" smtClean="0"/>
-              <a:t>그 이후 사용 하고자 </a:t>
-            </a:r>
-            <a:r>
-              <a:rPr lang="ko-KR" altLang="en-US" dirty="0" err="1" smtClean="0"/>
-              <a:t>할땐</a:t>
-            </a:r>
-            <a:endParaRPr lang="en-US" altLang="ko-KR" dirty="0" smtClean="0"/>
-          </a:p>
-          <a:p>
-            <a:r>
-              <a:rPr lang="en-US" altLang="ko-KR" dirty="0" err="1" smtClean="0"/>
-              <a:t>req.user</a:t>
-            </a:r>
-            <a:r>
-              <a:rPr lang="en-US" altLang="ko-KR" dirty="0" smtClean="0"/>
-              <a:t> </a:t>
-            </a:r>
-            <a:r>
-              <a:rPr lang="ko-KR" altLang="en-US" dirty="0" smtClean="0"/>
-              <a:t>로 </a:t>
-            </a:r>
-            <a:r>
-              <a:rPr lang="ko-KR" altLang="en-US" dirty="0" err="1" smtClean="0"/>
-              <a:t>접근가능하다</a:t>
-            </a:r>
-            <a:r>
-              <a:rPr lang="en-US" altLang="ko-KR" dirty="0" smtClean="0"/>
-              <a:t>.</a:t>
-            </a:r>
-          </a:p>
-        </p:txBody>
-      </p:sp>
-    </p:spTree>
-  </p:cSld>
-  <p:clrMapOvr>
-    <a:masterClrMapping/>
-  </p:clrMapOvr>
-</p:sld>
-</file>
-
 <file path=ppt/slides/slide53.xml><?xml version="1.0" encoding="utf-8"?>
 <p:sld xmlns:a="http://schemas.openxmlformats.org/drawingml/2006/main" xmlns:r="http://schemas.openxmlformats.org/officeDocument/2006/relationships" xmlns:p="http://schemas.openxmlformats.org/presentationml/2006/main">
   <p:cSld>
@@ -10929,36 +10939,36 @@
           <a:lstStyle/>
           <a:p>
             <a:r>
+              <a:rPr lang="ko-KR" altLang="en-US" dirty="0" smtClean="0"/>
+              <a:t>그 이후 사용 하고자 </a:t>
+            </a:r>
+            <a:r>
+              <a:rPr lang="ko-KR" altLang="en-US" dirty="0" err="1" smtClean="0"/>
+              <a:t>할땐</a:t>
+            </a:r>
+            <a:endParaRPr lang="en-US" altLang="ko-KR" dirty="0" smtClean="0"/>
+          </a:p>
+          <a:p>
+            <a:r>
+              <a:rPr lang="en-US" altLang="ko-KR" dirty="0" err="1" smtClean="0"/>
+              <a:t>req.user</a:t>
+            </a:r>
+            <a:r>
               <a:rPr lang="en-US" altLang="ko-KR" dirty="0" smtClean="0"/>
-              <a:t>router passport </a:t>
+              <a:t> </a:t>
             </a:r>
             <a:r>
               <a:rPr lang="ko-KR" altLang="en-US" dirty="0" smtClean="0"/>
-              <a:t>설</a:t>
-            </a:r>
-            <a:r>
-              <a:rPr lang="ko-KR" altLang="en-US" dirty="0" smtClean="0"/>
-              <a:t>정</a:t>
-            </a:r>
-            <a:endParaRPr lang="en-US" altLang="ko-KR" dirty="0" smtClean="0"/>
-          </a:p>
-          <a:p>
+              <a:t>로 </a:t>
+            </a:r>
+            <a:r>
+              <a:rPr lang="ko-KR" altLang="en-US" dirty="0" err="1" smtClean="0"/>
+              <a:t>접근가능하다</a:t>
+            </a:r>
             <a:r>
               <a:rPr lang="en-US" altLang="ko-KR" dirty="0" smtClean="0"/>
-              <a:t>router/accounts.js</a:t>
-            </a:r>
-          </a:p>
-          <a:p>
-            <a:endParaRPr lang="en-US" altLang="ko-KR" dirty="0" smtClean="0"/>
-          </a:p>
-          <a:p>
-            <a:r>
-              <a:rPr lang="en-US" altLang="ko-KR" sz="2000" dirty="0" smtClean="0">
-                <a:hlinkClick r:id="rId2"/>
-              </a:rPr>
-              <a:t>https://github.com/parkjunyoung/fc-nodejs-5/commit/85b2cadba5e4d4544b650edd0e040c3807440c31#diff-2</a:t>
-            </a:r>
-            <a:endParaRPr lang="ko-KR" altLang="en-US" sz="2000" dirty="0"/>
+              <a:t>.</a:t>
+            </a:r>
           </a:p>
         </p:txBody>
       </p:sp>
@@ -11022,30 +11032,16 @@
         </p:nvSpPr>
         <p:spPr/>
         <p:txBody>
-          <a:bodyPr>
-            <a:normAutofit/>
-          </a:bodyPr>
+          <a:bodyPr/>
           <a:lstStyle/>
           <a:p>
             <a:r>
               <a:rPr lang="en-US" altLang="ko-KR" dirty="0" smtClean="0"/>
-              <a:t>router </a:t>
-            </a:r>
-            <a:r>
-              <a:rPr lang="en-US" altLang="ko-KR" dirty="0" smtClean="0"/>
-              <a:t>passport </a:t>
-            </a:r>
-            <a:r>
-              <a:rPr lang="en-US" altLang="ko-KR" dirty="0" err="1" smtClean="0"/>
-              <a:t>api</a:t>
-            </a:r>
-            <a:r>
-              <a:rPr lang="en-US" altLang="ko-KR" dirty="0" smtClean="0"/>
-              <a:t> </a:t>
+              <a:t>router passport </a:t>
             </a:r>
             <a:r>
               <a:rPr lang="ko-KR" altLang="en-US" dirty="0" smtClean="0"/>
-              <a:t>적용</a:t>
+              <a:t>설정</a:t>
             </a:r>
             <a:endParaRPr lang="en-US" altLang="ko-KR" dirty="0" smtClean="0"/>
           </a:p>
@@ -11060,15 +11056,12 @@
           </a:p>
           <a:p>
             <a:r>
-              <a:rPr lang="en-US" altLang="ko-KR" sz="2200" dirty="0" smtClean="0">
+              <a:rPr lang="en-US" altLang="ko-KR" sz="2000" dirty="0" smtClean="0">
                 <a:hlinkClick r:id="rId2"/>
               </a:rPr>
-              <a:t>https://github.com/parkjunyoung/fc-nodejs-5/commit/85b2cadba5e4d4544b650edd0e040c3807440c31#diff-337d12d33a8b99183db04187f074077bR49</a:t>
-            </a:r>
-            <a:endParaRPr lang="en-US" altLang="ko-KR" sz="2200" dirty="0" smtClean="0"/>
-          </a:p>
-          <a:p>
-            <a:endParaRPr lang="ko-KR" altLang="en-US" dirty="0"/>
+              <a:t>https://github.com/parkjunyoung/fc-nodejs-5/commit/85b2cadba5e4d4544b650edd0e040c3807440c31#diff-2</a:t>
+            </a:r>
+            <a:endParaRPr lang="ko-KR" altLang="en-US" sz="2000" dirty="0"/>
           </a:p>
         </p:txBody>
       </p:sp>
@@ -11132,6 +11125,112 @@
         </p:nvSpPr>
         <p:spPr/>
         <p:txBody>
+          <a:bodyPr>
+            <a:normAutofit/>
+          </a:bodyPr>
+          <a:lstStyle/>
+          <a:p>
+            <a:r>
+              <a:rPr lang="en-US" altLang="ko-KR" dirty="0" smtClean="0"/>
+              <a:t>router passport </a:t>
+            </a:r>
+            <a:r>
+              <a:rPr lang="en-US" altLang="ko-KR" dirty="0" err="1" smtClean="0"/>
+              <a:t>api</a:t>
+            </a:r>
+            <a:r>
+              <a:rPr lang="en-US" altLang="ko-KR" dirty="0" smtClean="0"/>
+              <a:t> </a:t>
+            </a:r>
+            <a:r>
+              <a:rPr lang="ko-KR" altLang="en-US" dirty="0" smtClean="0"/>
+              <a:t>적용</a:t>
+            </a:r>
+            <a:endParaRPr lang="en-US" altLang="ko-KR" dirty="0" smtClean="0"/>
+          </a:p>
+          <a:p>
+            <a:r>
+              <a:rPr lang="en-US" altLang="ko-KR" dirty="0" smtClean="0"/>
+              <a:t>router/accounts.js</a:t>
+            </a:r>
+          </a:p>
+          <a:p>
+            <a:endParaRPr lang="en-US" altLang="ko-KR" dirty="0" smtClean="0"/>
+          </a:p>
+          <a:p>
+            <a:r>
+              <a:rPr lang="en-US" altLang="ko-KR" sz="2200" dirty="0" smtClean="0">
+                <a:hlinkClick r:id="rId2"/>
+              </a:rPr>
+              <a:t>https://github.com/parkjunyoung/fc-nodejs-5/commit/85b2cadba5e4d4544b650edd0e040c3807440c31#diff-337d12d33a8b99183db04187f074077bR49</a:t>
+            </a:r>
+            <a:endParaRPr lang="en-US" altLang="ko-KR" sz="2200" dirty="0" smtClean="0"/>
+          </a:p>
+          <a:p>
+            <a:endParaRPr lang="ko-KR" altLang="en-US" dirty="0"/>
+          </a:p>
+        </p:txBody>
+      </p:sp>
+    </p:spTree>
+  </p:cSld>
+  <p:clrMapOvr>
+    <a:masterClrMapping/>
+  </p:clrMapOvr>
+</p:sld>
+</file>
+
+<file path=ppt/slides/slide56.xml><?xml version="1.0" encoding="utf-8"?>
+<p:sld xmlns:a="http://schemas.openxmlformats.org/drawingml/2006/main" xmlns:r="http://schemas.openxmlformats.org/officeDocument/2006/relationships" xmlns:p="http://schemas.openxmlformats.org/presentationml/2006/main">
+  <p:cSld>
+    <p:spTree>
+      <p:nvGrpSpPr>
+        <p:cNvPr id="1" name=""/>
+        <p:cNvGrpSpPr/>
+        <p:nvPr/>
+      </p:nvGrpSpPr>
+      <p:grpSpPr>
+        <a:xfrm>
+          <a:off x="0" y="0"/>
+          <a:ext cx="0" cy="0"/>
+          <a:chOff x="0" y="0"/>
+          <a:chExt cx="0" cy="0"/>
+        </a:xfrm>
+      </p:grpSpPr>
+      <p:sp>
+        <p:nvSpPr>
+          <p:cNvPr id="2" name="제목 1"/>
+          <p:cNvSpPr>
+            <a:spLocks noGrp="1"/>
+          </p:cNvSpPr>
+          <p:nvPr>
+            <p:ph type="title"/>
+          </p:nvPr>
+        </p:nvSpPr>
+        <p:spPr/>
+        <p:txBody>
+          <a:bodyPr/>
+          <a:lstStyle/>
+          <a:p>
+            <a:r>
+              <a:rPr lang="ko-KR" altLang="en-US" dirty="0" smtClean="0"/>
+              <a:t>로그인</a:t>
+            </a:r>
+            <a:endParaRPr lang="ko-KR" altLang="en-US" dirty="0"/>
+          </a:p>
+        </p:txBody>
+      </p:sp>
+      <p:sp>
+        <p:nvSpPr>
+          <p:cNvPr id="3" name="텍스트 개체 틀 2"/>
+          <p:cNvSpPr>
+            <a:spLocks noGrp="1"/>
+          </p:cNvSpPr>
+          <p:nvPr>
+            <p:ph type="body" sz="quarter" idx="11"/>
+          </p:nvPr>
+        </p:nvSpPr>
+        <p:spPr/>
+        <p:txBody>
           <a:bodyPr/>
           <a:lstStyle/>
           <a:p>
@@ -11157,13 +11256,7 @@
               <a:rPr lang="en-US" altLang="ko-KR" sz="2000" dirty="0" smtClean="0">
                 <a:hlinkClick r:id="rId2"/>
               </a:rPr>
-              <a:t>https</a:t>
-            </a:r>
-            <a:r>
-              <a:rPr lang="en-US" altLang="ko-KR" sz="2000" dirty="0" smtClean="0">
-                <a:hlinkClick r:id="rId2"/>
-              </a:rPr>
-              <a:t>://github.com/parkjunyoung/fc-nodejs-5/commit/85b2cadba5e4d4544b650edd0e040c3807440c31#diff-3</a:t>
+              <a:t>https://github.com/parkjunyoung/fc-nodejs-5/commit/85b2cadba5e4d4544b650edd0e040c3807440c31#diff-3</a:t>
             </a:r>
             <a:endParaRPr lang="ko-KR" altLang="en-US" sz="2000" dirty="0"/>
           </a:p>
